--- a/Jacobian_comparison/notes.pptx
+++ b/Jacobian_comparison/notes.pptx
@@ -5,11 +5,13 @@
     <p:sldMasterId id="2147483648" r:id="rId1"/>
   </p:sldMasterIdLst>
   <p:notesMasterIdLst>
-    <p:notesMasterId r:id="rId4"/>
+    <p:notesMasterId r:id="rId6"/>
   </p:notesMasterIdLst>
   <p:sldIdLst>
     <p:sldId id="330" r:id="rId2"/>
-    <p:sldId id="331" r:id="rId3"/>
+    <p:sldId id="332" r:id="rId3"/>
+    <p:sldId id="333" r:id="rId4"/>
+    <p:sldId id="334" r:id="rId5"/>
   </p:sldIdLst>
   <p:sldSz cx="12192000" cy="6858000"/>
   <p:notesSz cx="6858000" cy="9144000"/>
@@ -210,7 +212,7 @@
           <a:p>
             <a:fld id="{395A702B-C410-436D-BEC6-CAC12EEF55B6}" type="datetimeFigureOut">
               <a:rPr lang="en-US" smtClean="0"/>
-              <a:t>11/30/2021</a:t>
+              <a:t>12/10/2021</a:t>
             </a:fld>
             <a:endParaRPr lang="en-US"/>
           </a:p>
@@ -627,7 +629,7 @@
           <a:p>
             <a:fld id="{C401CF04-2E42-4B5D-A9A9-F4E184A08DAE}" type="datetimeFigureOut">
               <a:rPr lang="en-US" smtClean="0"/>
-              <a:t>11/30/2021</a:t>
+              <a:t>12/10/2021</a:t>
             </a:fld>
             <a:endParaRPr lang="en-US"/>
           </a:p>
@@ -827,7 +829,7 @@
           <a:p>
             <a:fld id="{C401CF04-2E42-4B5D-A9A9-F4E184A08DAE}" type="datetimeFigureOut">
               <a:rPr lang="en-US" smtClean="0"/>
-              <a:t>11/30/2021</a:t>
+              <a:t>12/10/2021</a:t>
             </a:fld>
             <a:endParaRPr lang="en-US"/>
           </a:p>
@@ -1037,7 +1039,7 @@
           <a:p>
             <a:fld id="{C401CF04-2E42-4B5D-A9A9-F4E184A08DAE}" type="datetimeFigureOut">
               <a:rPr lang="en-US" smtClean="0"/>
-              <a:t>11/30/2021</a:t>
+              <a:t>12/10/2021</a:t>
             </a:fld>
             <a:endParaRPr lang="en-US"/>
           </a:p>
@@ -1293,7 +1295,7 @@
                   <a:srgbClr val="FFFFFF"/>
                 </a:solidFill>
               </a:rPr>
-              <a:t>11/11/2021</a:t>
+              <a:t>12/10/2021</a:t>
             </a:r>
           </a:p>
         </p:txBody>
@@ -2091,7 +2093,7 @@
           <a:p>
             <a:fld id="{C401CF04-2E42-4B5D-A9A9-F4E184A08DAE}" type="datetimeFigureOut">
               <a:rPr lang="en-US" smtClean="0"/>
-              <a:t>11/30/2021</a:t>
+              <a:t>12/10/2021</a:t>
             </a:fld>
             <a:endParaRPr lang="en-US"/>
           </a:p>
@@ -2367,7 +2369,7 @@
           <a:p>
             <a:fld id="{C401CF04-2E42-4B5D-A9A9-F4E184A08DAE}" type="datetimeFigureOut">
               <a:rPr lang="en-US" smtClean="0"/>
-              <a:t>11/30/2021</a:t>
+              <a:t>12/10/2021</a:t>
             </a:fld>
             <a:endParaRPr lang="en-US"/>
           </a:p>
@@ -2635,7 +2637,7 @@
           <a:p>
             <a:fld id="{C401CF04-2E42-4B5D-A9A9-F4E184A08DAE}" type="datetimeFigureOut">
               <a:rPr lang="en-US" smtClean="0"/>
-              <a:t>11/30/2021</a:t>
+              <a:t>12/10/2021</a:t>
             </a:fld>
             <a:endParaRPr lang="en-US"/>
           </a:p>
@@ -3050,7 +3052,7 @@
           <a:p>
             <a:fld id="{C401CF04-2E42-4B5D-A9A9-F4E184A08DAE}" type="datetimeFigureOut">
               <a:rPr lang="en-US" smtClean="0"/>
-              <a:t>11/30/2021</a:t>
+              <a:t>12/10/2021</a:t>
             </a:fld>
             <a:endParaRPr lang="en-US"/>
           </a:p>
@@ -3192,7 +3194,7 @@
           <a:p>
             <a:fld id="{C401CF04-2E42-4B5D-A9A9-F4E184A08DAE}" type="datetimeFigureOut">
               <a:rPr lang="en-US" smtClean="0"/>
-              <a:t>11/30/2021</a:t>
+              <a:t>12/10/2021</a:t>
             </a:fld>
             <a:endParaRPr lang="en-US"/>
           </a:p>
@@ -3305,7 +3307,7 @@
           <a:p>
             <a:fld id="{C401CF04-2E42-4B5D-A9A9-F4E184A08DAE}" type="datetimeFigureOut">
               <a:rPr lang="en-US" smtClean="0"/>
-              <a:t>11/30/2021</a:t>
+              <a:t>12/10/2021</a:t>
             </a:fld>
             <a:endParaRPr lang="en-US"/>
           </a:p>
@@ -3618,7 +3620,7 @@
           <a:p>
             <a:fld id="{C401CF04-2E42-4B5D-A9A9-F4E184A08DAE}" type="datetimeFigureOut">
               <a:rPr lang="en-US" smtClean="0"/>
-              <a:t>11/30/2021</a:t>
+              <a:t>12/10/2021</a:t>
             </a:fld>
             <a:endParaRPr lang="en-US"/>
           </a:p>
@@ -3907,7 +3909,7 @@
           <a:p>
             <a:fld id="{C401CF04-2E42-4B5D-A9A9-F4E184A08DAE}" type="datetimeFigureOut">
               <a:rPr lang="en-US" smtClean="0"/>
-              <a:t>11/30/2021</a:t>
+              <a:t>12/10/2021</a:t>
             </a:fld>
             <a:endParaRPr lang="en-US"/>
           </a:p>
@@ -4150,7 +4152,7 @@
           <a:p>
             <a:fld id="{C401CF04-2E42-4B5D-A9A9-F4E184A08DAE}" type="datetimeFigureOut">
               <a:rPr lang="en-US" smtClean="0"/>
-              <a:t>11/30/2021</a:t>
+              <a:t>12/10/2021</a:t>
             </a:fld>
             <a:endParaRPr lang="en-US"/>
           </a:p>
@@ -4568,8 +4570,8 @@
           <a:chExt cx="0" cy="0"/>
         </a:xfrm>
       </p:grpSpPr>
-      <mc:AlternateContent xmlns:mc="http://schemas.openxmlformats.org/markup-compatibility/2006">
-        <mc:Choice xmlns:a14="http://schemas.microsoft.com/office/drawing/2010/main" Requires="a14">
+      <mc:AlternateContent xmlns:mc="http://schemas.openxmlformats.org/markup-compatibility/2006" xmlns:a14="http://schemas.microsoft.com/office/drawing/2010/main">
+        <mc:Choice Requires="a14">
           <p:sp>
             <p:nvSpPr>
               <p:cNvPr id="2" name="文字版面配置區 1">
@@ -4627,13 +4629,13 @@
                 </a:r>
                 <a:r>
                   <a:rPr lang="en-US" dirty="0"/>
-                  <a:t> orientation redundancy</a:t>
+                  <a:t> orientation redundancy (Global)</a:t>
                 </a:r>
               </a:p>
             </p:txBody>
           </p:sp>
         </mc:Choice>
-        <mc:Fallback>
+        <mc:Fallback xmlns="">
           <p:sp>
             <p:nvSpPr>
               <p:cNvPr id="2" name="文字版面配置區 1">
@@ -4708,7 +4710,7 @@
                     <m:func>
                       <m:funcPr>
                         <m:ctrlPr>
-                          <a:rPr lang="en-US" b="0" i="1" smtClean="0">
+                          <a:rPr lang="en-US" i="1" smtClean="0">
                             <a:latin typeface="Cambria Math" panose="02040503050406030204" pitchFamily="18" charset="0"/>
                           </a:rPr>
                         </m:ctrlPr>
@@ -4717,7 +4719,7 @@
                         <m:limLow>
                           <m:limLowPr>
                             <m:ctrlPr>
-                              <a:rPr lang="en-US" b="0" i="1" smtClean="0">
+                              <a:rPr lang="en-US" i="1">
                                 <a:latin typeface="Cambria Math" panose="02040503050406030204" pitchFamily="18" charset="0"/>
                               </a:rPr>
                             </m:ctrlPr>
@@ -4727,7 +4729,7 @@
                               <m:rPr>
                                 <m:sty m:val="p"/>
                               </m:rPr>
-                              <a:rPr lang="en-US" b="0" i="0" smtClean="0">
+                              <a:rPr lang="en-US">
                                 <a:latin typeface="Cambria Math" panose="02040503050406030204" pitchFamily="18" charset="0"/>
                               </a:rPr>
                               <m:t>min</m:t>
@@ -4737,22 +4739,22 @@
                             <m:sSub>
                               <m:sSubPr>
                                 <m:ctrlPr>
-                                  <a:rPr lang="en-US" b="0" i="1" smtClean="0">
+                                  <a:rPr lang="en-US" i="1">
                                     <a:latin typeface="Cambria Math" panose="02040503050406030204" pitchFamily="18" charset="0"/>
                                   </a:rPr>
                                 </m:ctrlPr>
                               </m:sSubPr>
                               <m:e>
                                 <m:r>
-                                  <a:rPr lang="en-US" b="0" i="1" smtClean="0">
+                                  <a:rPr lang="en-US" i="1">
                                     <a:latin typeface="Cambria Math" panose="02040503050406030204" pitchFamily="18" charset="0"/>
                                   </a:rPr>
-                                  <m:t>𝑞</m:t>
+                                  <m:t>𝜃</m:t>
                                 </m:r>
                               </m:e>
                               <m:sub>
                                 <m:r>
-                                  <a:rPr lang="en-US" b="0" i="1" smtClean="0">
+                                  <a:rPr lang="en-US" i="1">
                                     <a:latin typeface="Cambria Math" panose="02040503050406030204" pitchFamily="18" charset="0"/>
                                   </a:rPr>
                                   <m:t>𝑎𝑙𝑙</m:t>
@@ -4764,7 +4766,7 @@
                       </m:fName>
                       <m:e>
                         <m:r>
-                          <a:rPr lang="en-US" b="0" i="1" smtClean="0">
+                          <a:rPr lang="en-US" i="1">
                             <a:latin typeface="Cambria Math" panose="02040503050406030204" pitchFamily="18" charset="0"/>
                           </a:rPr>
                           <m:t>−</m:t>
@@ -4773,13 +4775,13 @@
                           <m:rPr>
                             <m:sty m:val="p"/>
                           </m:rPr>
-                          <a:rPr lang="en-US" b="0" i="0" smtClean="0">
+                          <a:rPr lang="en-US">
                             <a:latin typeface="Cambria Math" panose="02040503050406030204" pitchFamily="18" charset="0"/>
                           </a:rPr>
                           <m:t>min</m:t>
                         </m:r>
                         <m:r>
-                          <a:rPr lang="en-US" b="0" i="1" smtClean="0">
+                          <a:rPr lang="en-US" i="1">
                             <a:latin typeface="Cambria Math" panose="02040503050406030204" pitchFamily="18" charset="0"/>
                           </a:rPr>
                           <m:t>⁡(</m:t>
@@ -4787,7 +4789,7 @@
                         <m:sSub>
                           <m:sSubPr>
                             <m:ctrlPr>
-                              <a:rPr lang="en-US" b="0" i="1" smtClean="0">
+                              <a:rPr lang="en-US" i="1">
                                 <a:latin typeface="Cambria Math" panose="02040503050406030204" pitchFamily="18" charset="0"/>
                               </a:rPr>
                             </m:ctrlPr>
@@ -4797,14 +4799,14 @@
                               <m:accPr>
                                 <m:chr m:val="̇"/>
                                 <m:ctrlPr>
-                                  <a:rPr lang="en-US" b="0" i="1" smtClean="0">
+                                  <a:rPr lang="en-US" i="1">
                                     <a:latin typeface="Cambria Math" panose="02040503050406030204" pitchFamily="18" charset="0"/>
                                   </a:rPr>
                                 </m:ctrlPr>
                               </m:accPr>
                               <m:e>
                                 <m:r>
-                                  <a:rPr lang="en-US" b="0" i="1" smtClean="0">
+                                  <a:rPr lang="en-US" i="1">
                                     <a:latin typeface="Cambria Math" panose="02040503050406030204" pitchFamily="18" charset="0"/>
                                   </a:rPr>
                                   <m:t>𝜆</m:t>
@@ -4814,7 +4816,7 @@
                           </m:e>
                           <m:sub>
                             <m:r>
-                              <a:rPr lang="en-US" b="0" i="1" smtClean="0">
+                              <a:rPr lang="en-US" i="1">
                                 <a:latin typeface="Cambria Math" panose="02040503050406030204" pitchFamily="18" charset="0"/>
                               </a:rPr>
                               <m:t>𝑚𝑎𝑥</m:t>
@@ -4822,7 +4824,7 @@
                           </m:sub>
                         </m:sSub>
                         <m:r>
-                          <a:rPr lang="en-US" b="0" i="1" smtClean="0">
+                          <a:rPr lang="en-US" i="1">
                             <a:latin typeface="Cambria Math" panose="02040503050406030204" pitchFamily="18" charset="0"/>
                           </a:rPr>
                           <m:t>)</m:t>
@@ -4831,23 +4833,14 @@
                     </m:func>
                   </m:oMath>
                 </a14:m>
-                <a:endParaRPr lang="en-US" b="0" dirty="0"/>
-              </a:p>
-              <a:p>
-                <a:pPr lvl="2"/>
-                <a:r>
-                  <a:rPr lang="en-US" dirty="0">
-                    <a:latin typeface="Cambria Math" panose="02040503050406030204" pitchFamily="18" charset="0"/>
-                  </a:rPr>
-                  <a:t>Steps: number of segments of curve in joint space</a:t>
-                </a:r>
+                <a:endParaRPr lang="en-US" dirty="0"/>
               </a:p>
               <a:p>
                 <a:pPr lvl="2"/>
                 <a14:m>
                   <m:oMath xmlns:m="http://schemas.openxmlformats.org/officeDocument/2006/math">
                     <m:r>
-                      <a:rPr lang="en-US" b="0" i="1" smtClean="0">
+                      <a:rPr lang="en-US" i="1">
                         <a:latin typeface="Cambria Math" panose="02040503050406030204" pitchFamily="18" charset="0"/>
                       </a:rPr>
                       <m:t>𝜆</m:t>
@@ -4855,10 +4848,10 @@
                   </m:oMath>
                 </a14:m>
                 <a:r>
-                  <a:rPr lang="en-US" b="0" dirty="0">
+                  <a:rPr lang="en-US" dirty="0">
                     <a:latin typeface="Cambria Math" panose="02040503050406030204" pitchFamily="18" charset="0"/>
                   </a:rPr>
-                  <a:t>: path length, </a:t>
+                  <a:t>: relative path length, </a:t>
                 </a:r>
                 <a:r>
                   <a:rPr lang="en-US" dirty="0"/>
@@ -4879,9 +4872,50 @@
                   <a:rPr lang="en-US" dirty="0"/>
                   <a:t>1 vector</a:t>
                 </a:r>
-                <a:endParaRPr lang="en-US" b="0" dirty="0">
+                <a:endParaRPr lang="en-US" dirty="0">
                   <a:latin typeface="Cambria Math" panose="02040503050406030204" pitchFamily="18" charset="0"/>
                 </a:endParaRPr>
+              </a:p>
+              <a:p>
+                <a:pPr lvl="2"/>
+                <a14:m>
+                  <m:oMath xmlns:m="http://schemas.openxmlformats.org/officeDocument/2006/math">
+                    <m:sSub>
+                      <m:sSubPr>
+                        <m:ctrlPr>
+                          <a:rPr lang="en-US" i="1">
+                            <a:latin typeface="Cambria Math" panose="02040503050406030204" pitchFamily="18" charset="0"/>
+                          </a:rPr>
+                        </m:ctrlPr>
+                      </m:sSubPr>
+                      <m:e>
+                        <m:r>
+                          <a:rPr lang="en-US" i="1">
+                            <a:latin typeface="Cambria Math" panose="02040503050406030204" pitchFamily="18" charset="0"/>
+                          </a:rPr>
+                          <m:t>𝜃</m:t>
+                        </m:r>
+                      </m:e>
+                      <m:sub>
+                        <m:r>
+                          <a:rPr lang="en-US" i="1">
+                            <a:latin typeface="Cambria Math" panose="02040503050406030204" pitchFamily="18" charset="0"/>
+                          </a:rPr>
+                          <m:t>𝑎𝑙𝑙</m:t>
+                        </m:r>
+                      </m:sub>
+                    </m:sSub>
+                  </m:oMath>
+                </a14:m>
+                <a:r>
+                  <a:rPr lang="en-US" dirty="0"/>
+                  <a:t>: stepsx1 rotation angle redundancy of </a:t>
+                </a:r>
+                <a:r>
+                  <a:rPr lang="en-US" dirty="0" err="1"/>
+                  <a:t>eef</a:t>
+                </a:r>
+                <a:endParaRPr lang="en-US" dirty="0"/>
               </a:p>
               <a:p>
                 <a:pPr lvl="2"/>
@@ -4931,7 +4965,982 @@
                 </a14:m>
                 <a:r>
                   <a:rPr lang="en-US" dirty="0"/>
-                  <a:t>6 flattened vector</a:t>
+                  <a:t>6 flattened vector, calculated from </a:t>
+                </a:r>
+                <a14:m>
+                  <m:oMath xmlns:m="http://schemas.openxmlformats.org/officeDocument/2006/math">
+                    <m:sSub>
+                      <m:sSubPr>
+                        <m:ctrlPr>
+                          <a:rPr lang="en-US" i="1">
+                            <a:latin typeface="Cambria Math" panose="02040503050406030204" pitchFamily="18" charset="0"/>
+                          </a:rPr>
+                        </m:ctrlPr>
+                      </m:sSubPr>
+                      <m:e>
+                        <m:r>
+                          <a:rPr lang="en-US" i="1">
+                            <a:latin typeface="Cambria Math" panose="02040503050406030204" pitchFamily="18" charset="0"/>
+                          </a:rPr>
+                          <m:t>𝜃</m:t>
+                        </m:r>
+                      </m:e>
+                      <m:sub>
+                        <m:r>
+                          <a:rPr lang="en-US" i="1">
+                            <a:latin typeface="Cambria Math" panose="02040503050406030204" pitchFamily="18" charset="0"/>
+                          </a:rPr>
+                          <m:t>𝑎𝑙𝑙</m:t>
+                        </m:r>
+                      </m:sub>
+                    </m:sSub>
+                  </m:oMath>
+                </a14:m>
+                <a:endParaRPr lang="en-US" dirty="0"/>
+              </a:p>
+              <a:p>
+                <a:pPr lvl="2"/>
+                <a14:m>
+                  <m:oMath xmlns:m="http://schemas.openxmlformats.org/officeDocument/2006/math">
+                    <m:sSub>
+                      <m:sSubPr>
+                        <m:ctrlPr>
+                          <a:rPr lang="en-US" i="1">
+                            <a:latin typeface="Cambria Math" panose="02040503050406030204" pitchFamily="18" charset="0"/>
+                          </a:rPr>
+                        </m:ctrlPr>
+                      </m:sSubPr>
+                      <m:e>
+                        <m:acc>
+                          <m:accPr>
+                            <m:chr m:val="̇"/>
+                            <m:ctrlPr>
+                              <a:rPr lang="en-US" i="1">
+                                <a:latin typeface="Cambria Math" panose="02040503050406030204" pitchFamily="18" charset="0"/>
+                              </a:rPr>
+                            </m:ctrlPr>
+                          </m:accPr>
+                          <m:e>
+                            <m:r>
+                              <a:rPr lang="en-US" i="1">
+                                <a:latin typeface="Cambria Math" panose="02040503050406030204" pitchFamily="18" charset="0"/>
+                              </a:rPr>
+                              <m:t>𝜆</m:t>
+                            </m:r>
+                          </m:e>
+                        </m:acc>
+                      </m:e>
+                      <m:sub>
+                        <m:r>
+                          <a:rPr lang="en-US" i="1">
+                            <a:latin typeface="Cambria Math" panose="02040503050406030204" pitchFamily="18" charset="0"/>
+                          </a:rPr>
+                          <m:t>𝑚𝑎𝑥</m:t>
+                        </m:r>
+                      </m:sub>
+                    </m:sSub>
+                  </m:oMath>
+                </a14:m>
+                <a:r>
+                  <a:rPr lang="en-US" dirty="0"/>
+                  <a:t>: steps</a:t>
+                </a:r>
+                <a14:m>
+                  <m:oMath xmlns:m="http://schemas.openxmlformats.org/officeDocument/2006/math">
+                    <m:r>
+                      <a:rPr lang="en-US" i="1">
+                        <a:latin typeface="Cambria Math" panose="02040503050406030204" pitchFamily="18" charset="0"/>
+                        <a:ea typeface="Cambria Math" panose="02040503050406030204" pitchFamily="18" charset="0"/>
+                      </a:rPr>
+                      <m:t>×</m:t>
+                    </m:r>
+                  </m:oMath>
+                </a14:m>
+                <a:r>
+                  <a:rPr lang="en-US" dirty="0"/>
+                  <a:t>1 vector, calculated given </a:t>
+                </a:r>
+                <a14:m>
+                  <m:oMath xmlns:m="http://schemas.openxmlformats.org/officeDocument/2006/math">
+                    <m:sSub>
+                      <m:sSubPr>
+                        <m:ctrlPr>
+                          <a:rPr lang="en-US" i="1">
+                            <a:latin typeface="Cambria Math" panose="02040503050406030204" pitchFamily="18" charset="0"/>
+                          </a:rPr>
+                        </m:ctrlPr>
+                      </m:sSubPr>
+                      <m:e>
+                        <m:r>
+                          <a:rPr lang="en-US" i="1">
+                            <a:latin typeface="Cambria Math" panose="02040503050406030204" pitchFamily="18" charset="0"/>
+                          </a:rPr>
+                          <m:t>𝑞</m:t>
+                        </m:r>
+                      </m:e>
+                      <m:sub>
+                        <m:r>
+                          <a:rPr lang="en-US" i="1">
+                            <a:latin typeface="Cambria Math" panose="02040503050406030204" pitchFamily="18" charset="0"/>
+                          </a:rPr>
+                          <m:t>𝑎𝑙𝑙</m:t>
+                        </m:r>
+                      </m:sub>
+                    </m:sSub>
+                    <m:r>
+                      <a:rPr lang="en-US" i="1">
+                        <a:latin typeface="Cambria Math" panose="02040503050406030204" pitchFamily="18" charset="0"/>
+                      </a:rPr>
+                      <m:t> </m:t>
+                    </m:r>
+                  </m:oMath>
+                </a14:m>
+                <a:endParaRPr lang="en-US" dirty="0"/>
+              </a:p>
+              <a:p>
+                <a:r>
+                  <a:rPr lang="en-US" dirty="0"/>
+                  <a:t>No constraints</a:t>
+                </a:r>
+              </a:p>
+            </p:txBody>
+          </p:sp>
+        </mc:Choice>
+        <mc:Fallback>
+          <p:sp>
+            <p:nvSpPr>
+              <p:cNvPr id="3" name="文字版面配置區 2">
+                <a:extLst>
+                  <a:ext uri="{FF2B5EF4-FFF2-40B4-BE49-F238E27FC236}">
+                    <a16:creationId xmlns:a16="http://schemas.microsoft.com/office/drawing/2014/main" id="{1B2A16A2-4348-470E-BA21-70562639C31D}"/>
+                  </a:ext>
+                </a:extLst>
+              </p:cNvPr>
+              <p:cNvSpPr>
+                <a:spLocks noGrp="1" noRot="1" noChangeAspect="1" noMove="1" noResize="1" noEditPoints="1" noAdjustHandles="1" noChangeArrowheads="1" noChangeShapeType="1" noTextEdit="1"/>
+              </p:cNvSpPr>
+              <p:nvPr>
+                <p:ph type="body" sz="quarter" idx="17"/>
+              </p:nvPr>
+            </p:nvSpPr>
+            <p:spPr>
+              <a:xfrm>
+                <a:off x="299222" y="795863"/>
+                <a:ext cx="9019236" cy="5386275"/>
+              </a:xfrm>
+              <a:blipFill>
+                <a:blip r:embed="rId3"/>
+                <a:stretch>
+                  <a:fillRect l="-1216"/>
+                </a:stretch>
+              </a:blipFill>
+            </p:spPr>
+            <p:txBody>
+              <a:bodyPr/>
+              <a:lstStyle/>
+              <a:p>
+                <a:r>
+                  <a:rPr lang="en-US">
+                    <a:noFill/>
+                  </a:rPr>
+                  <a:t> </a:t>
+                </a:r>
+              </a:p>
+            </p:txBody>
+          </p:sp>
+        </mc:Fallback>
+      </mc:AlternateContent>
+      <p:pic>
+        <p:nvPicPr>
+          <p:cNvPr id="5" name="Picture 4">
+            <a:extLst>
+              <a:ext uri="{FF2B5EF4-FFF2-40B4-BE49-F238E27FC236}">
+                <a16:creationId xmlns:a16="http://schemas.microsoft.com/office/drawing/2014/main" id="{9EE8B7F9-392C-441F-8A2D-0EE2545A4820}"/>
+              </a:ext>
+            </a:extLst>
+          </p:cNvPr>
+          <p:cNvPicPr>
+            <a:picLocks noChangeAspect="1"/>
+          </p:cNvPicPr>
+          <p:nvPr/>
+        </p:nvPicPr>
+        <p:blipFill>
+          <a:blip r:embed="rId4">
+            <a:extLst>
+              <a:ext uri="{28A0092B-C50C-407E-A947-70E740481C1C}">
+                <a14:useLocalDpi xmlns:a14="http://schemas.microsoft.com/office/drawing/2010/main" val="0"/>
+              </a:ext>
+            </a:extLst>
+          </a:blip>
+          <a:stretch>
+            <a:fillRect/>
+          </a:stretch>
+        </p:blipFill>
+        <p:spPr>
+          <a:xfrm>
+            <a:off x="6392372" y="1673008"/>
+            <a:ext cx="5852172" cy="4389129"/>
+          </a:xfrm>
+          <a:prstGeom prst="rect">
+            <a:avLst/>
+          </a:prstGeom>
+        </p:spPr>
+      </p:pic>
+      <p:pic>
+        <p:nvPicPr>
+          <p:cNvPr id="6" name="Picture 5">
+            <a:extLst>
+              <a:ext uri="{FF2B5EF4-FFF2-40B4-BE49-F238E27FC236}">
+                <a16:creationId xmlns:a16="http://schemas.microsoft.com/office/drawing/2014/main" id="{64B507AA-1051-471E-AEEA-1ED5FAA64B08}"/>
+              </a:ext>
+            </a:extLst>
+          </p:cNvPr>
+          <p:cNvPicPr>
+            <a:picLocks noChangeAspect="1"/>
+          </p:cNvPicPr>
+          <p:nvPr/>
+        </p:nvPicPr>
+        <p:blipFill>
+          <a:blip r:embed="rId5">
+            <a:extLst>
+              <a:ext uri="{28A0092B-C50C-407E-A947-70E740481C1C}">
+                <a14:useLocalDpi xmlns:a14="http://schemas.microsoft.com/office/drawing/2010/main" val="0"/>
+              </a:ext>
+            </a:extLst>
+          </a:blip>
+          <a:stretch>
+            <a:fillRect/>
+          </a:stretch>
+        </p:blipFill>
+        <p:spPr>
+          <a:xfrm>
+            <a:off x="165946" y="1673008"/>
+            <a:ext cx="5970137" cy="4477602"/>
+          </a:xfrm>
+          <a:prstGeom prst="rect">
+            <a:avLst/>
+          </a:prstGeom>
+        </p:spPr>
+      </p:pic>
+    </p:spTree>
+    <p:extLst>
+      <p:ext uri="{BB962C8B-B14F-4D97-AF65-F5344CB8AC3E}">
+        <p14:creationId xmlns:p14="http://schemas.microsoft.com/office/powerpoint/2010/main" val="4072457705"/>
+      </p:ext>
+    </p:extLst>
+  </p:cSld>
+  <p:clrMapOvr>
+    <a:masterClrMapping/>
+  </p:clrMapOvr>
+</p:sld>
+</file>
+
+<file path=ppt/slides/slide2.xml><?xml version="1.0" encoding="utf-8"?>
+<p:sld xmlns:a="http://schemas.openxmlformats.org/drawingml/2006/main" xmlns:r="http://schemas.openxmlformats.org/officeDocument/2006/relationships" xmlns:p="http://schemas.openxmlformats.org/presentationml/2006/main">
+  <p:cSld>
+    <p:spTree>
+      <p:nvGrpSpPr>
+        <p:cNvPr id="1" name=""/>
+        <p:cNvGrpSpPr/>
+        <p:nvPr/>
+      </p:nvGrpSpPr>
+      <p:grpSpPr>
+        <a:xfrm>
+          <a:off x="0" y="0"/>
+          <a:ext cx="0" cy="0"/>
+          <a:chOff x="0" y="0"/>
+          <a:chExt cx="0" cy="0"/>
+        </a:xfrm>
+      </p:grpSpPr>
+      <p:sp>
+        <p:nvSpPr>
+          <p:cNvPr id="2" name="Text Placeholder 1">
+            <a:extLst>
+              <a:ext uri="{FF2B5EF4-FFF2-40B4-BE49-F238E27FC236}">
+                <a16:creationId xmlns:a16="http://schemas.microsoft.com/office/drawing/2014/main" id="{448D4210-6EE8-4318-99B5-823FF95E4DDB}"/>
+              </a:ext>
+            </a:extLst>
+          </p:cNvPr>
+          <p:cNvSpPr>
+            <a:spLocks noGrp="1"/>
+          </p:cNvSpPr>
+          <p:nvPr>
+            <p:ph type="body" sz="quarter" idx="14"/>
+          </p:nvPr>
+        </p:nvSpPr>
+        <p:spPr/>
+        <p:txBody>
+          <a:bodyPr/>
+          <a:lstStyle/>
+          <a:p>
+            <a:r>
+              <a:rPr lang="en-US" dirty="0"/>
+              <a:t>Stepwise local optimization</a:t>
+            </a:r>
+          </a:p>
+        </p:txBody>
+      </p:sp>
+      <mc:AlternateContent xmlns:mc="http://schemas.openxmlformats.org/markup-compatibility/2006">
+        <mc:Choice xmlns:a14="http://schemas.microsoft.com/office/drawing/2010/main" Requires="a14">
+          <p:sp>
+            <p:nvSpPr>
+              <p:cNvPr id="3" name="Text Placeholder 2">
+                <a:extLst>
+                  <a:ext uri="{FF2B5EF4-FFF2-40B4-BE49-F238E27FC236}">
+                    <a16:creationId xmlns:a16="http://schemas.microsoft.com/office/drawing/2014/main" id="{EB05FC66-244C-4B42-8C2C-01C2E2423E94}"/>
+                  </a:ext>
+                </a:extLst>
+              </p:cNvPr>
+              <p:cNvSpPr>
+                <a:spLocks noGrp="1"/>
+              </p:cNvSpPr>
+              <p:nvPr>
+                <p:ph type="body" sz="quarter" idx="17"/>
+              </p:nvPr>
+            </p:nvSpPr>
+            <p:spPr>
+              <a:xfrm>
+                <a:off x="299222" y="1051971"/>
+                <a:ext cx="11771852" cy="5383615"/>
+              </a:xfrm>
+            </p:spPr>
+            <p:txBody>
+              <a:bodyPr/>
+              <a:lstStyle/>
+              <a:p>
+                <a14:m>
+                  <m:oMath xmlns:m="http://schemas.openxmlformats.org/officeDocument/2006/math">
+                    <m:func>
+                      <m:funcPr>
+                        <m:ctrlPr>
+                          <a:rPr lang="en-US" i="1" smtClean="0">
+                            <a:latin typeface="Cambria Math" panose="02040503050406030204" pitchFamily="18" charset="0"/>
+                          </a:rPr>
+                        </m:ctrlPr>
+                      </m:funcPr>
+                      <m:fName>
+                        <m:limLow>
+                          <m:limLowPr>
+                            <m:ctrlPr>
+                              <a:rPr lang="en-US" i="1">
+                                <a:latin typeface="Cambria Math" panose="02040503050406030204" pitchFamily="18" charset="0"/>
+                              </a:rPr>
+                            </m:ctrlPr>
+                          </m:limLowPr>
+                          <m:e>
+                            <m:r>
+                              <m:rPr>
+                                <m:sty m:val="p"/>
+                              </m:rPr>
+                              <a:rPr lang="en-US">
+                                <a:latin typeface="Cambria Math" panose="02040503050406030204" pitchFamily="18" charset="0"/>
+                              </a:rPr>
+                              <m:t>min</m:t>
+                            </m:r>
+                          </m:e>
+                          <m:lim>
+                            <m:acc>
+                              <m:accPr>
+                                <m:chr m:val="̇"/>
+                                <m:ctrlPr>
+                                  <a:rPr lang="en-US" b="0" i="1" smtClean="0">
+                                    <a:latin typeface="Cambria Math" panose="02040503050406030204" pitchFamily="18" charset="0"/>
+                                  </a:rPr>
+                                </m:ctrlPr>
+                              </m:accPr>
+                              <m:e>
+                                <m:r>
+                                  <a:rPr lang="en-US" b="0" i="1" smtClean="0">
+                                    <a:latin typeface="Cambria Math" panose="02040503050406030204" pitchFamily="18" charset="0"/>
+                                  </a:rPr>
+                                  <m:t>𝑞</m:t>
+                                </m:r>
+                              </m:e>
+                            </m:acc>
+                          </m:lim>
+                        </m:limLow>
+                      </m:fName>
+                      <m:e>
+                        <m:sSup>
+                          <m:sSupPr>
+                            <m:ctrlPr>
+                              <a:rPr lang="en-US" b="0" i="1" smtClean="0">
+                                <a:latin typeface="Cambria Math" panose="02040503050406030204" pitchFamily="18" charset="0"/>
+                                <a:ea typeface="Cambria Math" panose="02040503050406030204" pitchFamily="18" charset="0"/>
+                              </a:rPr>
+                            </m:ctrlPr>
+                          </m:sSupPr>
+                          <m:e>
+                            <m:d>
+                              <m:dPr>
+                                <m:begChr m:val="|"/>
+                                <m:endChr m:val="|"/>
+                                <m:ctrlPr>
+                                  <a:rPr lang="en-US" b="0" i="1" smtClean="0">
+                                    <a:latin typeface="Cambria Math" panose="02040503050406030204" pitchFamily="18" charset="0"/>
+                                  </a:rPr>
+                                </m:ctrlPr>
+                              </m:dPr>
+                              <m:e>
+                                <m:d>
+                                  <m:dPr>
+                                    <m:begChr m:val="|"/>
+                                    <m:endChr m:val="|"/>
+                                    <m:ctrlPr>
+                                      <a:rPr lang="en-US" b="0" i="1" smtClean="0">
+                                        <a:latin typeface="Cambria Math" panose="02040503050406030204" pitchFamily="18" charset="0"/>
+                                      </a:rPr>
+                                    </m:ctrlPr>
+                                  </m:dPr>
+                                  <m:e>
+                                    <m:sSub>
+                                      <m:sSubPr>
+                                        <m:ctrlPr>
+                                          <a:rPr lang="en-US" b="0" i="1" smtClean="0">
+                                            <a:latin typeface="Cambria Math" panose="02040503050406030204" pitchFamily="18" charset="0"/>
+                                          </a:rPr>
+                                        </m:ctrlPr>
+                                      </m:sSubPr>
+                                      <m:e>
+                                        <m:r>
+                                          <a:rPr lang="en-US" b="0" i="1" smtClean="0">
+                                            <a:latin typeface="Cambria Math" panose="02040503050406030204" pitchFamily="18" charset="0"/>
+                                          </a:rPr>
+                                          <m:t>𝐽</m:t>
+                                        </m:r>
+                                      </m:e>
+                                      <m:sub>
+                                        <m:r>
+                                          <a:rPr lang="en-US" b="0" i="1" smtClean="0">
+                                            <a:latin typeface="Cambria Math" panose="02040503050406030204" pitchFamily="18" charset="0"/>
+                                          </a:rPr>
+                                          <m:t>𝑝</m:t>
+                                        </m:r>
+                                      </m:sub>
+                                    </m:sSub>
+                                    <m:r>
+                                      <a:rPr lang="en-US" b="0" i="1" smtClean="0">
+                                        <a:latin typeface="Cambria Math" panose="02040503050406030204" pitchFamily="18" charset="0"/>
+                                      </a:rPr>
+                                      <m:t>(</m:t>
+                                    </m:r>
+                                    <m:r>
+                                      <a:rPr lang="en-US" b="0" i="1" smtClean="0">
+                                        <a:latin typeface="Cambria Math" panose="02040503050406030204" pitchFamily="18" charset="0"/>
+                                      </a:rPr>
+                                      <m:t>𝑞</m:t>
+                                    </m:r>
+                                    <m:r>
+                                      <a:rPr lang="en-US" b="0" i="1" smtClean="0">
+                                        <a:latin typeface="Cambria Math" panose="02040503050406030204" pitchFamily="18" charset="0"/>
+                                      </a:rPr>
+                                      <m:t>)∙</m:t>
+                                    </m:r>
+                                    <m:acc>
+                                      <m:accPr>
+                                        <m:chr m:val="̇"/>
+                                        <m:ctrlPr>
+                                          <a:rPr lang="en-US" i="1">
+                                            <a:latin typeface="Cambria Math" panose="02040503050406030204" pitchFamily="18" charset="0"/>
+                                            <a:ea typeface="Cambria Math" panose="02040503050406030204" pitchFamily="18" charset="0"/>
+                                          </a:rPr>
+                                        </m:ctrlPr>
+                                      </m:accPr>
+                                      <m:e>
+                                        <m:r>
+                                          <a:rPr lang="en-US" i="1">
+                                            <a:latin typeface="Cambria Math" panose="02040503050406030204" pitchFamily="18" charset="0"/>
+                                            <a:ea typeface="Cambria Math" panose="02040503050406030204" pitchFamily="18" charset="0"/>
+                                          </a:rPr>
+                                          <m:t>𝑞</m:t>
+                                        </m:r>
+                                      </m:e>
+                                    </m:acc>
+                                    <m:r>
+                                      <a:rPr lang="en-US" b="0" i="1" smtClean="0">
+                                        <a:latin typeface="Cambria Math" panose="02040503050406030204" pitchFamily="18" charset="0"/>
+                                        <a:ea typeface="Cambria Math" panose="02040503050406030204" pitchFamily="18" charset="0"/>
+                                      </a:rPr>
+                                      <m:t>−</m:t>
+                                    </m:r>
+                                    <m:sSub>
+                                      <m:sSubPr>
+                                        <m:ctrlPr>
+                                          <a:rPr lang="en-US" b="0" i="1" smtClean="0">
+                                            <a:latin typeface="Cambria Math" panose="02040503050406030204" pitchFamily="18" charset="0"/>
+                                            <a:ea typeface="Cambria Math" panose="02040503050406030204" pitchFamily="18" charset="0"/>
+                                          </a:rPr>
+                                        </m:ctrlPr>
+                                      </m:sSubPr>
+                                      <m:e>
+                                        <m:r>
+                                          <a:rPr lang="en-US" b="0" i="1" smtClean="0">
+                                            <a:latin typeface="Cambria Math" panose="02040503050406030204" pitchFamily="18" charset="0"/>
+                                            <a:ea typeface="Cambria Math" panose="02040503050406030204" pitchFamily="18" charset="0"/>
+                                          </a:rPr>
+                                          <m:t>𝑣</m:t>
+                                        </m:r>
+                                      </m:e>
+                                      <m:sub>
+                                        <m:r>
+                                          <a:rPr lang="en-US" b="0" i="1" smtClean="0">
+                                            <a:latin typeface="Cambria Math" panose="02040503050406030204" pitchFamily="18" charset="0"/>
+                                            <a:ea typeface="Cambria Math" panose="02040503050406030204" pitchFamily="18" charset="0"/>
+                                          </a:rPr>
+                                          <m:t>𝑑</m:t>
+                                        </m:r>
+                                      </m:sub>
+                                    </m:sSub>
+                                  </m:e>
+                                </m:d>
+                              </m:e>
+                            </m:d>
+                          </m:e>
+                          <m:sup>
+                            <m:r>
+                              <a:rPr lang="en-US" b="0" i="1" smtClean="0">
+                                <a:latin typeface="Cambria Math" panose="02040503050406030204" pitchFamily="18" charset="0"/>
+                                <a:ea typeface="Cambria Math" panose="02040503050406030204" pitchFamily="18" charset="0"/>
+                              </a:rPr>
+                              <m:t>2</m:t>
+                            </m:r>
+                          </m:sup>
+                        </m:sSup>
+                        <m:r>
+                          <a:rPr lang="en-US" b="0" i="1" smtClean="0">
+                            <a:latin typeface="Cambria Math" panose="02040503050406030204" pitchFamily="18" charset="0"/>
+                            <a:ea typeface="Cambria Math" panose="02040503050406030204" pitchFamily="18" charset="0"/>
+                          </a:rPr>
+                          <m:t>+</m:t>
+                        </m:r>
+                        <m:sSup>
+                          <m:sSupPr>
+                            <m:ctrlPr>
+                              <a:rPr lang="en-US" b="0" i="1" smtClean="0">
+                                <a:latin typeface="Cambria Math" panose="02040503050406030204" pitchFamily="18" charset="0"/>
+                                <a:ea typeface="Cambria Math" panose="02040503050406030204" pitchFamily="18" charset="0"/>
+                              </a:rPr>
+                            </m:ctrlPr>
+                          </m:sSupPr>
+                          <m:e>
+                            <m:r>
+                              <a:rPr lang="en-US" b="0" i="1" smtClean="0">
+                                <a:latin typeface="Cambria Math" panose="02040503050406030204" pitchFamily="18" charset="0"/>
+                                <a:ea typeface="Cambria Math" panose="02040503050406030204" pitchFamily="18" charset="0"/>
+                              </a:rPr>
+                              <m:t>𝑤</m:t>
+                            </m:r>
+                            <m:d>
+                              <m:dPr>
+                                <m:begChr m:val="|"/>
+                                <m:endChr m:val="|"/>
+                                <m:ctrlPr>
+                                  <a:rPr lang="en-US" b="0" i="1" smtClean="0">
+                                    <a:latin typeface="Cambria Math" panose="02040503050406030204" pitchFamily="18" charset="0"/>
+                                    <a:ea typeface="Cambria Math" panose="02040503050406030204" pitchFamily="18" charset="0"/>
+                                  </a:rPr>
+                                </m:ctrlPr>
+                              </m:dPr>
+                              <m:e>
+                                <m:d>
+                                  <m:dPr>
+                                    <m:begChr m:val="|"/>
+                                    <m:endChr m:val="|"/>
+                                    <m:ctrlPr>
+                                      <a:rPr lang="en-US" b="0" i="1" smtClean="0">
+                                        <a:latin typeface="Cambria Math" panose="02040503050406030204" pitchFamily="18" charset="0"/>
+                                        <a:ea typeface="Cambria Math" panose="02040503050406030204" pitchFamily="18" charset="0"/>
+                                      </a:rPr>
+                                    </m:ctrlPr>
+                                  </m:dPr>
+                                  <m:e>
+                                    <m:sSub>
+                                      <m:sSubPr>
+                                        <m:ctrlPr>
+                                          <a:rPr lang="en-US" b="0" i="1" smtClean="0">
+                                            <a:latin typeface="Cambria Math" panose="02040503050406030204" pitchFamily="18" charset="0"/>
+                                            <a:ea typeface="Cambria Math" panose="02040503050406030204" pitchFamily="18" charset="0"/>
+                                          </a:rPr>
+                                        </m:ctrlPr>
+                                      </m:sSubPr>
+                                      <m:e>
+                                        <m:r>
+                                          <a:rPr lang="en-US" b="0" i="1" smtClean="0">
+                                            <a:latin typeface="Cambria Math" panose="02040503050406030204" pitchFamily="18" charset="0"/>
+                                            <a:ea typeface="Cambria Math" panose="02040503050406030204" pitchFamily="18" charset="0"/>
+                                          </a:rPr>
+                                          <m:t>𝐽</m:t>
+                                        </m:r>
+                                      </m:e>
+                                      <m:sub>
+                                        <m:r>
+                                          <a:rPr lang="en-US" b="0" i="1" smtClean="0">
+                                            <a:latin typeface="Cambria Math" panose="02040503050406030204" pitchFamily="18" charset="0"/>
+                                            <a:ea typeface="Cambria Math" panose="02040503050406030204" pitchFamily="18" charset="0"/>
+                                          </a:rPr>
+                                          <m:t>𝑅</m:t>
+                                        </m:r>
+                                      </m:sub>
+                                    </m:sSub>
+                                    <m:r>
+                                      <a:rPr lang="en-US" b="0" i="1" smtClean="0">
+                                        <a:latin typeface="Cambria Math" panose="02040503050406030204" pitchFamily="18" charset="0"/>
+                                        <a:ea typeface="Cambria Math" panose="02040503050406030204" pitchFamily="18" charset="0"/>
+                                      </a:rPr>
+                                      <m:t>(</m:t>
+                                    </m:r>
+                                    <m:r>
+                                      <a:rPr lang="en-US" b="0" i="1" smtClean="0">
+                                        <a:latin typeface="Cambria Math" panose="02040503050406030204" pitchFamily="18" charset="0"/>
+                                        <a:ea typeface="Cambria Math" panose="02040503050406030204" pitchFamily="18" charset="0"/>
+                                      </a:rPr>
+                                      <m:t>𝑞</m:t>
+                                    </m:r>
+                                    <m:r>
+                                      <a:rPr lang="en-US" b="0" i="1" smtClean="0">
+                                        <a:latin typeface="Cambria Math" panose="02040503050406030204" pitchFamily="18" charset="0"/>
+                                        <a:ea typeface="Cambria Math" panose="02040503050406030204" pitchFamily="18" charset="0"/>
+                                      </a:rPr>
+                                      <m:t>)∙</m:t>
+                                    </m:r>
+                                    <m:acc>
+                                      <m:accPr>
+                                        <m:chr m:val="̇"/>
+                                        <m:ctrlPr>
+                                          <a:rPr lang="en-US" i="1">
+                                            <a:latin typeface="Cambria Math" panose="02040503050406030204" pitchFamily="18" charset="0"/>
+                                            <a:ea typeface="Cambria Math" panose="02040503050406030204" pitchFamily="18" charset="0"/>
+                                          </a:rPr>
+                                        </m:ctrlPr>
+                                      </m:accPr>
+                                      <m:e>
+                                        <m:r>
+                                          <a:rPr lang="en-US" i="1">
+                                            <a:latin typeface="Cambria Math" panose="02040503050406030204" pitchFamily="18" charset="0"/>
+                                            <a:ea typeface="Cambria Math" panose="02040503050406030204" pitchFamily="18" charset="0"/>
+                                          </a:rPr>
+                                          <m:t>𝑞</m:t>
+                                        </m:r>
+                                      </m:e>
+                                    </m:acc>
+                                    <m:r>
+                                      <a:rPr lang="en-US" b="0" i="1" smtClean="0">
+                                        <a:latin typeface="Cambria Math" panose="02040503050406030204" pitchFamily="18" charset="0"/>
+                                        <a:ea typeface="Cambria Math" panose="02040503050406030204" pitchFamily="18" charset="0"/>
+                                      </a:rPr>
+                                      <m:t>−</m:t>
+                                    </m:r>
+                                    <m:sSub>
+                                      <m:sSubPr>
+                                        <m:ctrlPr>
+                                          <a:rPr lang="en-US" b="0" i="1" smtClean="0">
+                                            <a:latin typeface="Cambria Math" panose="02040503050406030204" pitchFamily="18" charset="0"/>
+                                            <a:ea typeface="Cambria Math" panose="02040503050406030204" pitchFamily="18" charset="0"/>
+                                          </a:rPr>
+                                        </m:ctrlPr>
+                                      </m:sSubPr>
+                                      <m:e>
+                                        <m:r>
+                                          <a:rPr lang="en-US" b="0" i="1" smtClean="0">
+                                            <a:latin typeface="Cambria Math" panose="02040503050406030204" pitchFamily="18" charset="0"/>
+                                            <a:ea typeface="Cambria Math" panose="02040503050406030204" pitchFamily="18" charset="0"/>
+                                          </a:rPr>
+                                          <m:t>𝜔</m:t>
+                                        </m:r>
+                                      </m:e>
+                                      <m:sub>
+                                        <m:r>
+                                          <a:rPr lang="en-US" b="0" i="1" smtClean="0">
+                                            <a:latin typeface="Cambria Math" panose="02040503050406030204" pitchFamily="18" charset="0"/>
+                                            <a:ea typeface="Cambria Math" panose="02040503050406030204" pitchFamily="18" charset="0"/>
+                                          </a:rPr>
+                                          <m:t>𝑑</m:t>
+                                        </m:r>
+                                      </m:sub>
+                                    </m:sSub>
+                                  </m:e>
+                                </m:d>
+                              </m:e>
+                            </m:d>
+                          </m:e>
+                          <m:sup>
+                            <m:r>
+                              <a:rPr lang="en-US" b="0" i="1" smtClean="0">
+                                <a:latin typeface="Cambria Math" panose="02040503050406030204" pitchFamily="18" charset="0"/>
+                                <a:ea typeface="Cambria Math" panose="02040503050406030204" pitchFamily="18" charset="0"/>
+                              </a:rPr>
+                              <m:t>2</m:t>
+                            </m:r>
+                          </m:sup>
+                        </m:sSup>
+                        <m:r>
+                          <a:rPr lang="en-US" b="0" i="1" smtClean="0">
+                            <a:latin typeface="Cambria Math" panose="02040503050406030204" pitchFamily="18" charset="0"/>
+                            <a:ea typeface="Cambria Math" panose="02040503050406030204" pitchFamily="18" charset="0"/>
+                          </a:rPr>
+                          <m:t>+</m:t>
+                        </m:r>
+                        <m:sSub>
+                          <m:sSubPr>
+                            <m:ctrlPr>
+                              <a:rPr lang="en-US" b="0" i="1" smtClean="0">
+                                <a:latin typeface="Cambria Math" panose="02040503050406030204" pitchFamily="18" charset="0"/>
+                                <a:ea typeface="Cambria Math" panose="02040503050406030204" pitchFamily="18" charset="0"/>
+                              </a:rPr>
+                            </m:ctrlPr>
+                          </m:sSubPr>
+                          <m:e>
+                            <m:r>
+                              <a:rPr lang="en-US" b="0" i="1" smtClean="0">
+                                <a:latin typeface="Cambria Math" panose="02040503050406030204" pitchFamily="18" charset="0"/>
+                                <a:ea typeface="Cambria Math" panose="02040503050406030204" pitchFamily="18" charset="0"/>
+                              </a:rPr>
+                              <m:t>𝐾</m:t>
+                            </m:r>
+                          </m:e>
+                          <m:sub>
+                            <m:r>
+                              <a:rPr lang="en-US" b="0" i="1" smtClean="0">
+                                <a:latin typeface="Cambria Math" panose="02040503050406030204" pitchFamily="18" charset="0"/>
+                                <a:ea typeface="Cambria Math" panose="02040503050406030204" pitchFamily="18" charset="0"/>
+                              </a:rPr>
+                              <m:t>𝑞</m:t>
+                            </m:r>
+                          </m:sub>
+                        </m:sSub>
+                        <m:sSup>
+                          <m:sSupPr>
+                            <m:ctrlPr>
+                              <a:rPr lang="en-US" b="0" i="1" smtClean="0">
+                                <a:latin typeface="Cambria Math" panose="02040503050406030204" pitchFamily="18" charset="0"/>
+                                <a:ea typeface="Cambria Math" panose="02040503050406030204" pitchFamily="18" charset="0"/>
+                              </a:rPr>
+                            </m:ctrlPr>
+                          </m:sSupPr>
+                          <m:e>
+                            <m:d>
+                              <m:dPr>
+                                <m:begChr m:val="|"/>
+                                <m:endChr m:val="|"/>
+                                <m:ctrlPr>
+                                  <a:rPr lang="en-US" b="0" i="1" smtClean="0">
+                                    <a:latin typeface="Cambria Math" panose="02040503050406030204" pitchFamily="18" charset="0"/>
+                                    <a:ea typeface="Cambria Math" panose="02040503050406030204" pitchFamily="18" charset="0"/>
+                                  </a:rPr>
+                                </m:ctrlPr>
+                              </m:dPr>
+                              <m:e>
+                                <m:d>
+                                  <m:dPr>
+                                    <m:begChr m:val="|"/>
+                                    <m:endChr m:val="|"/>
+                                    <m:ctrlPr>
+                                      <a:rPr lang="en-US" b="0" i="1" smtClean="0">
+                                        <a:latin typeface="Cambria Math" panose="02040503050406030204" pitchFamily="18" charset="0"/>
+                                        <a:ea typeface="Cambria Math" panose="02040503050406030204" pitchFamily="18" charset="0"/>
+                                      </a:rPr>
+                                    </m:ctrlPr>
+                                  </m:dPr>
+                                  <m:e>
+                                    <m:acc>
+                                      <m:accPr>
+                                        <m:chr m:val="̇"/>
+                                        <m:ctrlPr>
+                                          <a:rPr lang="en-US" b="0" i="1" smtClean="0">
+                                            <a:latin typeface="Cambria Math" panose="02040503050406030204" pitchFamily="18" charset="0"/>
+                                            <a:ea typeface="Cambria Math" panose="02040503050406030204" pitchFamily="18" charset="0"/>
+                                          </a:rPr>
+                                        </m:ctrlPr>
+                                      </m:accPr>
+                                      <m:e>
+                                        <m:r>
+                                          <a:rPr lang="en-US" b="0" i="1" smtClean="0">
+                                            <a:latin typeface="Cambria Math" panose="02040503050406030204" pitchFamily="18" charset="0"/>
+                                            <a:ea typeface="Cambria Math" panose="02040503050406030204" pitchFamily="18" charset="0"/>
+                                          </a:rPr>
+                                          <m:t>𝑞</m:t>
+                                        </m:r>
+                                      </m:e>
+                                    </m:acc>
+                                  </m:e>
+                                </m:d>
+                              </m:e>
+                            </m:d>
+                          </m:e>
+                          <m:sup>
+                            <m:r>
+                              <a:rPr lang="en-US" b="0" i="1" smtClean="0">
+                                <a:latin typeface="Cambria Math" panose="02040503050406030204" pitchFamily="18" charset="0"/>
+                                <a:ea typeface="Cambria Math" panose="02040503050406030204" pitchFamily="18" charset="0"/>
+                              </a:rPr>
+                              <m:t>2</m:t>
+                            </m:r>
+                          </m:sup>
+                        </m:sSup>
+                      </m:e>
+                    </m:func>
+                  </m:oMath>
+                </a14:m>
+                <a:endParaRPr lang="en-US" dirty="0"/>
+              </a:p>
+              <a:p>
+                <a:r>
+                  <a:rPr lang="en-US" b="0" dirty="0"/>
+                  <a:t>Accumulate to get full trajectory </a:t>
+                </a:r>
+                <a14:m>
+                  <m:oMath xmlns:m="http://schemas.openxmlformats.org/officeDocument/2006/math">
+                    <m:sSub>
+                      <m:sSubPr>
+                        <m:ctrlPr>
+                          <a:rPr lang="en-US" b="0" i="1" smtClean="0">
+                            <a:latin typeface="Cambria Math" panose="02040503050406030204" pitchFamily="18" charset="0"/>
+                          </a:rPr>
+                        </m:ctrlPr>
+                      </m:sSubPr>
+                      <m:e>
+                        <m:r>
+                          <a:rPr lang="en-US" b="0" i="1" smtClean="0">
+                            <a:latin typeface="Cambria Math" panose="02040503050406030204" pitchFamily="18" charset="0"/>
+                          </a:rPr>
+                          <m:t>𝑞</m:t>
+                        </m:r>
+                      </m:e>
+                      <m:sub>
+                        <m:r>
+                          <a:rPr lang="en-US" b="0" i="1" smtClean="0">
+                            <a:latin typeface="Cambria Math" panose="02040503050406030204" pitchFamily="18" charset="0"/>
+                          </a:rPr>
+                          <m:t>𝑎𝑙𝑙</m:t>
+                        </m:r>
+                      </m:sub>
+                    </m:sSub>
+                  </m:oMath>
+                </a14:m>
+                <a:r>
+                  <a:rPr lang="en-US" b="0" dirty="0"/>
+                  <a:t>: </a:t>
+                </a:r>
+                <a14:m>
+                  <m:oMath xmlns:m="http://schemas.openxmlformats.org/officeDocument/2006/math">
+                    <m:r>
+                      <a:rPr lang="en-US" b="0" i="1" smtClean="0">
+                        <a:latin typeface="Cambria Math" panose="02040503050406030204" pitchFamily="18" charset="0"/>
+                      </a:rPr>
+                      <m:t>𝑞</m:t>
+                    </m:r>
+                    <m:r>
+                      <a:rPr lang="en-US" b="0" i="1" smtClean="0">
+                        <a:latin typeface="Cambria Math" panose="02040503050406030204" pitchFamily="18" charset="0"/>
+                      </a:rPr>
+                      <m:t>+=</m:t>
+                    </m:r>
+                    <m:r>
+                      <a:rPr lang="en-US" b="0" i="1" smtClean="0">
+                        <a:latin typeface="Cambria Math" panose="02040503050406030204" pitchFamily="18" charset="0"/>
+                      </a:rPr>
+                      <m:t>𝑞</m:t>
+                    </m:r>
+                    <m:r>
+                      <a:rPr lang="en-US" b="0" i="1" smtClean="0">
+                        <a:latin typeface="Cambria Math" panose="02040503050406030204" pitchFamily="18" charset="0"/>
+                      </a:rPr>
+                      <m:t>+</m:t>
+                    </m:r>
+                    <m:acc>
+                      <m:accPr>
+                        <m:chr m:val="̇"/>
+                        <m:ctrlPr>
+                          <a:rPr lang="en-US" i="1">
+                            <a:latin typeface="Cambria Math" panose="02040503050406030204" pitchFamily="18" charset="0"/>
+                            <a:ea typeface="Cambria Math" panose="02040503050406030204" pitchFamily="18" charset="0"/>
+                          </a:rPr>
+                        </m:ctrlPr>
+                      </m:accPr>
+                      <m:e>
+                        <m:r>
+                          <a:rPr lang="en-US" i="1">
+                            <a:latin typeface="Cambria Math" panose="02040503050406030204" pitchFamily="18" charset="0"/>
+                            <a:ea typeface="Cambria Math" panose="02040503050406030204" pitchFamily="18" charset="0"/>
+                          </a:rPr>
+                          <m:t>𝑞</m:t>
+                        </m:r>
+                      </m:e>
+                    </m:acc>
+                  </m:oMath>
+                </a14:m>
+                <a:endParaRPr lang="en-US" dirty="0"/>
+              </a:p>
+              <a:p>
+                <a:pPr lvl="2"/>
+                <a14:m>
+                  <m:oMath xmlns:m="http://schemas.openxmlformats.org/officeDocument/2006/math">
+                    <m:sSub>
+                      <m:sSubPr>
+                        <m:ctrlPr>
+                          <a:rPr lang="en-US" b="0" i="1" smtClean="0">
+                            <a:latin typeface="Cambria Math" panose="02040503050406030204" pitchFamily="18" charset="0"/>
+                            <a:ea typeface="Cambria Math" panose="02040503050406030204" pitchFamily="18" charset="0"/>
+                          </a:rPr>
+                        </m:ctrlPr>
+                      </m:sSubPr>
+                      <m:e>
+                        <m:r>
+                          <a:rPr lang="en-US" b="0" i="1" smtClean="0">
+                            <a:latin typeface="Cambria Math" panose="02040503050406030204" pitchFamily="18" charset="0"/>
+                            <a:ea typeface="Cambria Math" panose="02040503050406030204" pitchFamily="18" charset="0"/>
+                          </a:rPr>
+                          <m:t>𝑒</m:t>
+                        </m:r>
+                      </m:e>
+                      <m:sub>
+                        <m:r>
+                          <a:rPr lang="en-US" b="0" i="1" smtClean="0">
+                            <a:latin typeface="Cambria Math" panose="02040503050406030204" pitchFamily="18" charset="0"/>
+                            <a:ea typeface="Cambria Math" panose="02040503050406030204" pitchFamily="18" charset="0"/>
+                          </a:rPr>
+                          <m:t>𝑝</m:t>
+                        </m:r>
+                      </m:sub>
+                    </m:sSub>
+                  </m:oMath>
+                </a14:m>
+                <a:r>
+                  <a:rPr lang="en-US" dirty="0"/>
+                  <a:t>: position error between </a:t>
+                </a:r>
+                <a14:m>
+                  <m:oMath xmlns:m="http://schemas.openxmlformats.org/officeDocument/2006/math">
+                    <m:sSub>
+                      <m:sSubPr>
+                        <m:ctrlPr>
+                          <a:rPr lang="en-US" b="0" i="1" smtClean="0">
+                            <a:latin typeface="Cambria Math" panose="02040503050406030204" pitchFamily="18" charset="0"/>
+                          </a:rPr>
+                        </m:ctrlPr>
+                      </m:sSubPr>
+                      <m:e>
+                        <m:r>
+                          <a:rPr lang="en-US" b="0" i="1" smtClean="0">
+                            <a:latin typeface="Cambria Math" panose="02040503050406030204" pitchFamily="18" charset="0"/>
+                          </a:rPr>
+                          <m:t>𝑝</m:t>
+                        </m:r>
+                      </m:e>
+                      <m:sub>
+                        <m:r>
+                          <a:rPr lang="en-US" b="0" i="1" smtClean="0">
+                            <a:latin typeface="Cambria Math" panose="02040503050406030204" pitchFamily="18" charset="0"/>
+                          </a:rPr>
+                          <m:t>𝑐𝑢𝑟</m:t>
+                        </m:r>
+                      </m:sub>
+                    </m:sSub>
+                  </m:oMath>
+                </a14:m>
+                <a:r>
+                  <a:rPr lang="en-US" dirty="0"/>
+                  <a:t> and next waypoint</a:t>
                 </a:r>
               </a:p>
               <a:p>
@@ -4947,18 +5956,478 @@
                         </m:ctrlPr>
                       </m:sSubPr>
                       <m:e>
+                        <m:r>
+                          <a:rPr lang="en-US" b="0" i="1" smtClean="0">
+                            <a:latin typeface="Cambria Math" panose="02040503050406030204" pitchFamily="18" charset="0"/>
+                          </a:rPr>
+                          <m:t>𝑒</m:t>
+                        </m:r>
+                      </m:e>
+                      <m:sub>
+                        <m:r>
+                          <a:rPr lang="en-US" b="0" i="1" smtClean="0">
+                            <a:latin typeface="Cambria Math" panose="02040503050406030204" pitchFamily="18" charset="0"/>
+                          </a:rPr>
+                          <m:t>𝑅</m:t>
+                        </m:r>
+                      </m:sub>
+                    </m:sSub>
+                    <m:r>
+                      <a:rPr lang="en-US" b="0" i="1" smtClean="0">
+                        <a:latin typeface="Cambria Math" panose="02040503050406030204" pitchFamily="18" charset="0"/>
+                      </a:rPr>
+                      <m:t>:</m:t>
+                    </m:r>
+                  </m:oMath>
+                </a14:m>
+                <a:r>
+                  <a:rPr lang="en-US" dirty="0"/>
+                  <a:t> orientation error between current tool z-axis and next waypoint curve normal</a:t>
+                </a:r>
+              </a:p>
+            </p:txBody>
+          </p:sp>
+        </mc:Choice>
+        <mc:Fallback>
+          <p:sp>
+            <p:nvSpPr>
+              <p:cNvPr id="3" name="Text Placeholder 2">
+                <a:extLst>
+                  <a:ext uri="{FF2B5EF4-FFF2-40B4-BE49-F238E27FC236}">
+                    <a16:creationId xmlns:a16="http://schemas.microsoft.com/office/drawing/2014/main" id="{EB05FC66-244C-4B42-8C2C-01C2E2423E94}"/>
+                  </a:ext>
+                </a:extLst>
+              </p:cNvPr>
+              <p:cNvSpPr>
+                <a:spLocks noGrp="1" noRot="1" noChangeAspect="1" noMove="1" noResize="1" noEditPoints="1" noAdjustHandles="1" noChangeArrowheads="1" noChangeShapeType="1" noTextEdit="1"/>
+              </p:cNvSpPr>
+              <p:nvPr>
+                <p:ph type="body" sz="quarter" idx="17"/>
+              </p:nvPr>
+            </p:nvSpPr>
+            <p:spPr>
+              <a:xfrm>
+                <a:off x="299222" y="1051971"/>
+                <a:ext cx="11771852" cy="5383615"/>
+              </a:xfrm>
+              <a:blipFill>
+                <a:blip r:embed="rId2"/>
+                <a:stretch>
+                  <a:fillRect l="-932"/>
+                </a:stretch>
+              </a:blipFill>
+            </p:spPr>
+            <p:txBody>
+              <a:bodyPr/>
+              <a:lstStyle/>
+              <a:p>
+                <a:r>
+                  <a:rPr lang="en-US">
+                    <a:noFill/>
+                  </a:rPr>
+                  <a:t> </a:t>
+                </a:r>
+              </a:p>
+            </p:txBody>
+          </p:sp>
+        </mc:Fallback>
+      </mc:AlternateContent>
+      <p:pic>
+        <p:nvPicPr>
+          <p:cNvPr id="5" name="Picture 4">
+            <a:extLst>
+              <a:ext uri="{FF2B5EF4-FFF2-40B4-BE49-F238E27FC236}">
+                <a16:creationId xmlns:a16="http://schemas.microsoft.com/office/drawing/2014/main" id="{C1F34C73-29EF-4F7E-8A9B-0BB7B5DC7409}"/>
+              </a:ext>
+            </a:extLst>
+          </p:cNvPr>
+          <p:cNvPicPr>
+            <a:picLocks noChangeAspect="1"/>
+          </p:cNvPicPr>
+          <p:nvPr/>
+        </p:nvPicPr>
+        <p:blipFill>
+          <a:blip r:embed="rId3">
+            <a:extLst>
+              <a:ext uri="{28A0092B-C50C-407E-A947-70E740481C1C}">
+                <a14:useLocalDpi xmlns:a14="http://schemas.microsoft.com/office/drawing/2010/main" val="0"/>
+              </a:ext>
+            </a:extLst>
+          </a:blip>
+          <a:stretch>
+            <a:fillRect/>
+          </a:stretch>
+        </p:blipFill>
+        <p:spPr>
+          <a:xfrm>
+            <a:off x="8331200" y="3170254"/>
+            <a:ext cx="3905525" cy="2929144"/>
+          </a:xfrm>
+          <a:prstGeom prst="rect">
+            <a:avLst/>
+          </a:prstGeom>
+        </p:spPr>
+      </p:pic>
+    </p:spTree>
+    <p:extLst>
+      <p:ext uri="{BB962C8B-B14F-4D97-AF65-F5344CB8AC3E}">
+        <p14:creationId xmlns:p14="http://schemas.microsoft.com/office/powerpoint/2010/main" val="2089436024"/>
+      </p:ext>
+    </p:extLst>
+  </p:cSld>
+  <p:clrMapOvr>
+    <a:masterClrMapping/>
+  </p:clrMapOvr>
+</p:sld>
+</file>
+
+<file path=ppt/slides/slide3.xml><?xml version="1.0" encoding="utf-8"?>
+<p:sld xmlns:a="http://schemas.openxmlformats.org/drawingml/2006/main" xmlns:r="http://schemas.openxmlformats.org/officeDocument/2006/relationships" xmlns:p="http://schemas.openxmlformats.org/presentationml/2006/main">
+  <p:cSld>
+    <p:spTree>
+      <p:nvGrpSpPr>
+        <p:cNvPr id="1" name=""/>
+        <p:cNvGrpSpPr/>
+        <p:nvPr/>
+      </p:nvGrpSpPr>
+      <p:grpSpPr>
+        <a:xfrm>
+          <a:off x="0" y="0"/>
+          <a:ext cx="0" cy="0"/>
+          <a:chOff x="0" y="0"/>
+          <a:chExt cx="0" cy="0"/>
+        </a:xfrm>
+      </p:grpSpPr>
+      <p:sp>
+        <p:nvSpPr>
+          <p:cNvPr id="2" name="Text Placeholder 1">
+            <a:extLst>
+              <a:ext uri="{FF2B5EF4-FFF2-40B4-BE49-F238E27FC236}">
+                <a16:creationId xmlns:a16="http://schemas.microsoft.com/office/drawing/2014/main" id="{24F06BB9-0101-49C6-8D5E-B1EC91E5C295}"/>
+              </a:ext>
+            </a:extLst>
+          </p:cNvPr>
+          <p:cNvSpPr>
+            <a:spLocks noGrp="1"/>
+          </p:cNvSpPr>
+          <p:nvPr>
+            <p:ph type="body" sz="quarter" idx="14"/>
+          </p:nvPr>
+        </p:nvSpPr>
+        <p:spPr/>
+        <p:txBody>
+          <a:bodyPr/>
+          <a:lstStyle/>
+          <a:p>
+            <a:r>
+              <a:rPr lang="en-US" dirty="0"/>
+              <a:t>Optimization on initial config, then stepwise</a:t>
+            </a:r>
+          </a:p>
+        </p:txBody>
+      </p:sp>
+      <mc:AlternateContent xmlns:mc="http://schemas.openxmlformats.org/markup-compatibility/2006" xmlns:a14="http://schemas.microsoft.com/office/drawing/2010/main">
+        <mc:Choice Requires="a14">
+          <p:sp>
+            <p:nvSpPr>
+              <p:cNvPr id="3" name="Text Placeholder 2">
+                <a:extLst>
+                  <a:ext uri="{FF2B5EF4-FFF2-40B4-BE49-F238E27FC236}">
+                    <a16:creationId xmlns:a16="http://schemas.microsoft.com/office/drawing/2014/main" id="{0055DA40-1B9E-4BB6-9905-DFC68043EFC6}"/>
+                  </a:ext>
+                </a:extLst>
+              </p:cNvPr>
+              <p:cNvSpPr>
+                <a:spLocks noGrp="1"/>
+              </p:cNvSpPr>
+              <p:nvPr>
+                <p:ph type="body" sz="quarter" idx="17"/>
+              </p:nvPr>
+            </p:nvSpPr>
+            <p:spPr>
+              <a:xfrm>
+                <a:off x="299222" y="1051972"/>
+                <a:ext cx="11195382" cy="5070532"/>
+              </a:xfrm>
+            </p:spPr>
+            <p:txBody>
+              <a:bodyPr/>
+              <a:lstStyle/>
+              <a:p>
+                <a14:m>
+                  <m:oMath xmlns:m="http://schemas.openxmlformats.org/officeDocument/2006/math">
+                    <m:func>
+                      <m:funcPr>
+                        <m:ctrlPr>
+                          <a:rPr lang="en-US" i="1" smtClean="0">
+                            <a:latin typeface="Cambria Math" panose="02040503050406030204" pitchFamily="18" charset="0"/>
+                          </a:rPr>
+                        </m:ctrlPr>
+                      </m:funcPr>
+                      <m:fName>
+                        <m:limLow>
+                          <m:limLowPr>
+                            <m:ctrlPr>
+                              <a:rPr lang="en-US" i="1">
+                                <a:latin typeface="Cambria Math" panose="02040503050406030204" pitchFamily="18" charset="0"/>
+                              </a:rPr>
+                            </m:ctrlPr>
+                          </m:limLowPr>
+                          <m:e>
+                            <m:r>
+                              <m:rPr>
+                                <m:sty m:val="p"/>
+                              </m:rPr>
+                              <a:rPr lang="en-US">
+                                <a:latin typeface="Cambria Math" panose="02040503050406030204" pitchFamily="18" charset="0"/>
+                              </a:rPr>
+                              <m:t>min</m:t>
+                            </m:r>
+                          </m:e>
+                          <m:lim>
+                            <m:sSub>
+                              <m:sSubPr>
+                                <m:ctrlPr>
+                                  <a:rPr lang="en-US" i="1">
+                                    <a:latin typeface="Cambria Math" panose="02040503050406030204" pitchFamily="18" charset="0"/>
+                                  </a:rPr>
+                                </m:ctrlPr>
+                              </m:sSubPr>
+                              <m:e>
+                                <m:r>
+                                  <a:rPr lang="en-US" i="1">
+                                    <a:latin typeface="Cambria Math" panose="02040503050406030204" pitchFamily="18" charset="0"/>
+                                  </a:rPr>
+                                  <m:t>𝜃</m:t>
+                                </m:r>
+                              </m:e>
+                              <m:sub>
+                                <m:r>
+                                  <a:rPr lang="en-US" b="0" i="1" smtClean="0">
+                                    <a:latin typeface="Cambria Math" panose="02040503050406030204" pitchFamily="18" charset="0"/>
+                                  </a:rPr>
+                                  <m:t>𝑖𝑛𝑖𝑡</m:t>
+                                </m:r>
+                              </m:sub>
+                            </m:sSub>
+                          </m:lim>
+                        </m:limLow>
+                      </m:fName>
+                      <m:e>
+                        <m:r>
+                          <a:rPr lang="en-US" i="1">
+                            <a:latin typeface="Cambria Math" panose="02040503050406030204" pitchFamily="18" charset="0"/>
+                          </a:rPr>
+                          <m:t>−</m:t>
+                        </m:r>
+                        <m:r>
+                          <m:rPr>
+                            <m:sty m:val="p"/>
+                          </m:rPr>
+                          <a:rPr lang="en-US">
+                            <a:latin typeface="Cambria Math" panose="02040503050406030204" pitchFamily="18" charset="0"/>
+                          </a:rPr>
+                          <m:t>min</m:t>
+                        </m:r>
+                        <m:r>
+                          <a:rPr lang="en-US" i="1">
+                            <a:latin typeface="Cambria Math" panose="02040503050406030204" pitchFamily="18" charset="0"/>
+                          </a:rPr>
+                          <m:t>⁡(</m:t>
+                        </m:r>
+                        <m:sSub>
+                          <m:sSubPr>
+                            <m:ctrlPr>
+                              <a:rPr lang="en-US" i="1">
+                                <a:latin typeface="Cambria Math" panose="02040503050406030204" pitchFamily="18" charset="0"/>
+                              </a:rPr>
+                            </m:ctrlPr>
+                          </m:sSubPr>
+                          <m:e>
+                            <m:acc>
+                              <m:accPr>
+                                <m:chr m:val="̇"/>
+                                <m:ctrlPr>
+                                  <a:rPr lang="en-US" i="1">
+                                    <a:latin typeface="Cambria Math" panose="02040503050406030204" pitchFamily="18" charset="0"/>
+                                  </a:rPr>
+                                </m:ctrlPr>
+                              </m:accPr>
+                              <m:e>
+                                <m:r>
+                                  <a:rPr lang="en-US" i="1">
+                                    <a:latin typeface="Cambria Math" panose="02040503050406030204" pitchFamily="18" charset="0"/>
+                                  </a:rPr>
+                                  <m:t>𝜆</m:t>
+                                </m:r>
+                              </m:e>
+                            </m:acc>
+                          </m:e>
+                          <m:sub>
+                            <m:r>
+                              <a:rPr lang="en-US" i="1">
+                                <a:latin typeface="Cambria Math" panose="02040503050406030204" pitchFamily="18" charset="0"/>
+                              </a:rPr>
+                              <m:t>𝑚𝑎𝑥</m:t>
+                            </m:r>
+                          </m:sub>
+                        </m:sSub>
+                        <m:r>
+                          <a:rPr lang="en-US" i="1">
+                            <a:latin typeface="Cambria Math" panose="02040503050406030204" pitchFamily="18" charset="0"/>
+                          </a:rPr>
+                          <m:t>)</m:t>
+                        </m:r>
+                      </m:e>
+                    </m:func>
+                  </m:oMath>
+                </a14:m>
+                <a:endParaRPr lang="en-US" dirty="0"/>
+              </a:p>
+              <a:p>
+                <a:pPr lvl="2"/>
+                <a14:m>
+                  <m:oMath xmlns:m="http://schemas.openxmlformats.org/officeDocument/2006/math">
+                    <m:r>
+                      <a:rPr lang="en-US" b="0" i="1" smtClean="0">
+                        <a:latin typeface="Cambria Math" panose="02040503050406030204" pitchFamily="18" charset="0"/>
+                      </a:rPr>
+                      <m:t>𝑞</m:t>
+                    </m:r>
+                    <m:r>
+                      <a:rPr lang="en-US" b="0" i="1" smtClean="0">
+                        <a:latin typeface="Cambria Math" panose="02040503050406030204" pitchFamily="18" charset="0"/>
+                      </a:rPr>
+                      <m:t>_</m:t>
+                    </m:r>
+                    <m:r>
+                      <a:rPr lang="en-US" b="0" i="1" smtClean="0">
+                        <a:latin typeface="Cambria Math" panose="02040503050406030204" pitchFamily="18" charset="0"/>
+                      </a:rPr>
+                      <m:t>𝑖𝑛𝑖𝑡</m:t>
+                    </m:r>
+                  </m:oMath>
+                </a14:m>
+                <a:r>
+                  <a:rPr lang="en-US" dirty="0"/>
+                  <a:t>: initial joint config from </a:t>
+                </a:r>
+                <a14:m>
+                  <m:oMath xmlns:m="http://schemas.openxmlformats.org/officeDocument/2006/math">
+                    <m:sSub>
+                      <m:sSubPr>
+                        <m:ctrlPr>
+                          <a:rPr lang="en-US" i="1">
+                            <a:latin typeface="Cambria Math" panose="02040503050406030204" pitchFamily="18" charset="0"/>
+                          </a:rPr>
+                        </m:ctrlPr>
+                      </m:sSubPr>
+                      <m:e>
+                        <m:r>
+                          <a:rPr lang="en-US" i="1">
+                            <a:latin typeface="Cambria Math" panose="02040503050406030204" pitchFamily="18" charset="0"/>
+                          </a:rPr>
+                          <m:t>𝜃</m:t>
+                        </m:r>
+                      </m:e>
+                      <m:sub>
+                        <m:r>
+                          <a:rPr lang="en-US" i="1">
+                            <a:latin typeface="Cambria Math" panose="02040503050406030204" pitchFamily="18" charset="0"/>
+                          </a:rPr>
+                          <m:t>𝑖𝑛𝑖𝑡</m:t>
+                        </m:r>
+                      </m:sub>
+                    </m:sSub>
+                  </m:oMath>
+                </a14:m>
+                <a:endParaRPr lang="en-US" dirty="0"/>
+              </a:p>
+              <a:p>
+                <a:pPr lvl="2"/>
+                <a14:m>
+                  <m:oMath xmlns:m="http://schemas.openxmlformats.org/officeDocument/2006/math">
+                    <m:r>
+                      <a:rPr lang="en-US" b="0" i="1" smtClean="0">
+                        <a:latin typeface="Cambria Math" panose="02040503050406030204" pitchFamily="18" charset="0"/>
+                      </a:rPr>
+                      <m:t>𝑞</m:t>
+                    </m:r>
+                    <m:r>
+                      <a:rPr lang="en-US" b="0" i="1" smtClean="0">
+                        <a:latin typeface="Cambria Math" panose="02040503050406030204" pitchFamily="18" charset="0"/>
+                      </a:rPr>
+                      <m:t>_</m:t>
+                    </m:r>
+                    <m:r>
+                      <a:rPr lang="en-US" b="0" i="1" smtClean="0">
+                        <a:latin typeface="Cambria Math" panose="02040503050406030204" pitchFamily="18" charset="0"/>
+                      </a:rPr>
+                      <m:t>𝑎𝑙𝑙</m:t>
+                    </m:r>
+                  </m:oMath>
+                </a14:m>
+                <a:r>
+                  <a:rPr lang="en-US" dirty="0"/>
+                  <a:t>: calculated trajectories from stepwise </a:t>
+                </a:r>
+                <a:r>
+                  <a:rPr lang="en-US" dirty="0" err="1"/>
+                  <a:t>qp</a:t>
+                </a:r>
+                <a:r>
+                  <a:rPr lang="en-US" dirty="0"/>
+                  <a:t> with </a:t>
+                </a:r>
+                <a14:m>
+                  <m:oMath xmlns:m="http://schemas.openxmlformats.org/officeDocument/2006/math">
+                    <m:r>
+                      <a:rPr lang="en-US" i="1">
+                        <a:latin typeface="Cambria Math" panose="02040503050406030204" pitchFamily="18" charset="0"/>
+                      </a:rPr>
+                      <m:t>𝑞</m:t>
+                    </m:r>
+                    <m:r>
+                      <a:rPr lang="en-US" i="1">
+                        <a:latin typeface="Cambria Math" panose="02040503050406030204" pitchFamily="18" charset="0"/>
+                      </a:rPr>
+                      <m:t>_</m:t>
+                    </m:r>
+                    <m:r>
+                      <a:rPr lang="en-US" i="1">
+                        <a:latin typeface="Cambria Math" panose="02040503050406030204" pitchFamily="18" charset="0"/>
+                      </a:rPr>
+                      <m:t>𝑖𝑛𝑖𝑡</m:t>
+                    </m:r>
+                  </m:oMath>
+                </a14:m>
+                <a:endParaRPr lang="en-US" dirty="0"/>
+              </a:p>
+              <a:p>
+                <a:pPr lvl="2"/>
+                <a14:m>
+                  <m:oMath xmlns:m="http://schemas.openxmlformats.org/officeDocument/2006/math">
+                    <m:sSub>
+                      <m:sSubPr>
+                        <m:ctrlPr>
+                          <a:rPr lang="en-US" i="1" smtClean="0">
+                            <a:latin typeface="Cambria Math" panose="02040503050406030204" pitchFamily="18" charset="0"/>
+                          </a:rPr>
+                        </m:ctrlPr>
+                      </m:sSubPr>
+                      <m:e>
                         <m:acc>
                           <m:accPr>
                             <m:chr m:val="̇"/>
                             <m:ctrlPr>
-                              <a:rPr lang="en-US" b="0" i="1" smtClean="0">
+                              <a:rPr lang="en-US" i="1">
                                 <a:latin typeface="Cambria Math" panose="02040503050406030204" pitchFamily="18" charset="0"/>
                               </a:rPr>
                             </m:ctrlPr>
                           </m:accPr>
                           <m:e>
                             <m:r>
-                              <a:rPr lang="en-US" b="0" i="1" smtClean="0">
+                              <a:rPr lang="en-US" i="1">
                                 <a:latin typeface="Cambria Math" panose="02040503050406030204" pitchFamily="18" charset="0"/>
                               </a:rPr>
                               <m:t>𝜆</m:t>
@@ -4968,7 +6437,7 @@
                       </m:e>
                       <m:sub>
                         <m:r>
-                          <a:rPr lang="en-US" b="0" i="1" smtClean="0">
+                          <a:rPr lang="en-US" i="1">
                             <a:latin typeface="Cambria Math" panose="02040503050406030204" pitchFamily="18" charset="0"/>
                           </a:rPr>
                           <m:t>𝑚𝑎𝑥</m:t>
@@ -5027,301 +6496,16 @@
                 </a14:m>
                 <a:endParaRPr lang="en-US" dirty="0"/>
               </a:p>
-              <a:p>
-                <a:r>
-                  <a:rPr lang="en-US" dirty="0"/>
-                  <a:t>Bounds</a:t>
-                </a:r>
-              </a:p>
-              <a:p>
-                <a:pPr lvl="2"/>
-                <a14:m>
-                  <m:oMath xmlns:m="http://schemas.openxmlformats.org/officeDocument/2006/math">
-                    <m:sSub>
-                      <m:sSubPr>
-                        <m:ctrlPr>
-                          <a:rPr lang="en-US" b="0" i="1" smtClean="0">
-                            <a:latin typeface="Cambria Math" panose="02040503050406030204" pitchFamily="18" charset="0"/>
-                          </a:rPr>
-                        </m:ctrlPr>
-                      </m:sSubPr>
-                      <m:e>
-                        <m:r>
-                          <a:rPr lang="en-US" b="0" i="1" smtClean="0">
-                            <a:latin typeface="Cambria Math" panose="02040503050406030204" pitchFamily="18" charset="0"/>
-                          </a:rPr>
-                          <m:t>𝑞</m:t>
-                        </m:r>
-                      </m:e>
-                      <m:sub>
-                        <m:r>
-                          <a:rPr lang="en-US" b="0" i="1" smtClean="0">
-                            <a:latin typeface="Cambria Math" panose="02040503050406030204" pitchFamily="18" charset="0"/>
-                          </a:rPr>
-                          <m:t>𝑎𝑙𝑙</m:t>
-                        </m:r>
-                      </m:sub>
-                    </m:sSub>
-                  </m:oMath>
-                </a14:m>
-                <a:r>
-                  <a:rPr lang="en-US" dirty="0"/>
-                  <a:t>: bounded by joint limits</a:t>
-                </a:r>
-              </a:p>
-              <a:p>
-                <a:r>
-                  <a:rPr lang="en-US" dirty="0"/>
-                  <a:t>Constraints</a:t>
-                </a:r>
-              </a:p>
-              <a:p>
-                <a:pPr lvl="2"/>
-                <a14:m>
-                  <m:oMath xmlns:m="http://schemas.openxmlformats.org/officeDocument/2006/math">
-                    <m:r>
-                      <a:rPr lang="en-US" b="0" i="1" smtClean="0">
-                        <a:latin typeface="Cambria Math" panose="02040503050406030204" pitchFamily="18" charset="0"/>
-                      </a:rPr>
-                      <m:t>𝑓𝑤𝑑</m:t>
-                    </m:r>
-                    <m:d>
-                      <m:dPr>
-                        <m:ctrlPr>
-                          <a:rPr lang="en-US" b="0" i="1" smtClean="0">
-                            <a:latin typeface="Cambria Math" panose="02040503050406030204" pitchFamily="18" charset="0"/>
-                          </a:rPr>
-                        </m:ctrlPr>
-                      </m:dPr>
-                      <m:e>
-                        <m:sSub>
-                          <m:sSubPr>
-                            <m:ctrlPr>
-                              <a:rPr lang="en-US" b="0" i="1" smtClean="0">
-                                <a:latin typeface="Cambria Math" panose="02040503050406030204" pitchFamily="18" charset="0"/>
-                              </a:rPr>
-                            </m:ctrlPr>
-                          </m:sSubPr>
-                          <m:e>
-                            <m:r>
-                              <a:rPr lang="en-US" b="0" i="1" smtClean="0">
-                                <a:latin typeface="Cambria Math" panose="02040503050406030204" pitchFamily="18" charset="0"/>
-                              </a:rPr>
-                              <m:t>𝑞</m:t>
-                            </m:r>
-                          </m:e>
-                          <m:sub>
-                            <m:r>
-                              <a:rPr lang="en-US" b="0" i="1" smtClean="0">
-                                <a:latin typeface="Cambria Math" panose="02040503050406030204" pitchFamily="18" charset="0"/>
-                              </a:rPr>
-                              <m:t>𝑎𝑙𝑙</m:t>
-                            </m:r>
-                          </m:sub>
-                        </m:sSub>
-                      </m:e>
-                    </m:d>
-                    <m:r>
-                      <a:rPr lang="en-US" b="0" i="1" smtClean="0">
-                        <a:latin typeface="Cambria Math" panose="02040503050406030204" pitchFamily="18" charset="0"/>
-                      </a:rPr>
-                      <m:t>.</m:t>
-                    </m:r>
-                    <m:r>
-                      <a:rPr lang="en-US" b="0" i="1" smtClean="0">
-                        <a:latin typeface="Cambria Math" panose="02040503050406030204" pitchFamily="18" charset="0"/>
-                      </a:rPr>
-                      <m:t>𝑝</m:t>
-                    </m:r>
-                    <m:r>
-                      <a:rPr lang="en-US" b="0" i="1" smtClean="0">
-                        <a:latin typeface="Cambria Math" panose="02040503050406030204" pitchFamily="18" charset="0"/>
-                      </a:rPr>
-                      <m:t>−</m:t>
-                    </m:r>
-                    <m:r>
-                      <a:rPr lang="en-US" b="0" i="1" smtClean="0">
-                        <a:latin typeface="Cambria Math" panose="02040503050406030204" pitchFamily="18" charset="0"/>
-                      </a:rPr>
-                      <m:t>𝑐𝑢𝑟𝑣𝑒</m:t>
-                    </m:r>
-                    <m:d>
-                      <m:dPr>
-                        <m:ctrlPr>
-                          <a:rPr lang="en-US" b="0" i="1" smtClean="0">
-                            <a:latin typeface="Cambria Math" panose="02040503050406030204" pitchFamily="18" charset="0"/>
-                          </a:rPr>
-                        </m:ctrlPr>
-                      </m:dPr>
-                      <m:e>
-                        <m:r>
-                          <a:rPr lang="en-US" b="0" i="1" smtClean="0">
-                            <a:latin typeface="Cambria Math" panose="02040503050406030204" pitchFamily="18" charset="0"/>
-                          </a:rPr>
-                          <m:t>𝑠𝑡𝑒𝑝𝑠</m:t>
-                        </m:r>
-                      </m:e>
-                    </m:d>
-                    <m:r>
-                      <a:rPr lang="en-US" b="0" i="1" smtClean="0">
-                        <a:latin typeface="Cambria Math" panose="02040503050406030204" pitchFamily="18" charset="0"/>
-                      </a:rPr>
-                      <m:t>.</m:t>
-                    </m:r>
-                    <m:r>
-                      <a:rPr lang="en-US" b="0" i="1" smtClean="0">
-                        <a:latin typeface="Cambria Math" panose="02040503050406030204" pitchFamily="18" charset="0"/>
-                      </a:rPr>
-                      <m:t>𝑝</m:t>
-                    </m:r>
-                    <m:r>
-                      <a:rPr lang="en-US" b="0" i="1" smtClean="0">
-                        <a:latin typeface="Cambria Math" panose="02040503050406030204" pitchFamily="18" charset="0"/>
-                      </a:rPr>
-                      <m:t>=0</m:t>
-                    </m:r>
-                  </m:oMath>
-                </a14:m>
-                <a:endParaRPr lang="en-US" b="0" dirty="0"/>
-              </a:p>
-              <a:p>
-                <a:pPr lvl="2"/>
-                <a14:m>
-                  <m:oMath xmlns:m="http://schemas.openxmlformats.org/officeDocument/2006/math">
-                    <m:r>
-                      <a:rPr lang="en-US" b="0" i="1" smtClean="0">
-                        <a:latin typeface="Cambria Math" panose="02040503050406030204" pitchFamily="18" charset="0"/>
-                      </a:rPr>
-                      <m:t>𝑓𝑤𝑑</m:t>
-                    </m:r>
-                    <m:d>
-                      <m:dPr>
-                        <m:ctrlPr>
-                          <a:rPr lang="en-US" b="0" i="1" smtClean="0">
-                            <a:latin typeface="Cambria Math" panose="02040503050406030204" pitchFamily="18" charset="0"/>
-                          </a:rPr>
-                        </m:ctrlPr>
-                      </m:dPr>
-                      <m:e>
-                        <m:sSub>
-                          <m:sSubPr>
-                            <m:ctrlPr>
-                              <a:rPr lang="en-US" b="0" i="1" smtClean="0">
-                                <a:latin typeface="Cambria Math" panose="02040503050406030204" pitchFamily="18" charset="0"/>
-                              </a:rPr>
-                            </m:ctrlPr>
-                          </m:sSubPr>
-                          <m:e>
-                            <m:r>
-                              <a:rPr lang="en-US" b="0" i="1" smtClean="0">
-                                <a:latin typeface="Cambria Math" panose="02040503050406030204" pitchFamily="18" charset="0"/>
-                              </a:rPr>
-                              <m:t>𝑞</m:t>
-                            </m:r>
-                          </m:e>
-                          <m:sub>
-                            <m:r>
-                              <a:rPr lang="en-US" b="0" i="1" smtClean="0">
-                                <a:latin typeface="Cambria Math" panose="02040503050406030204" pitchFamily="18" charset="0"/>
-                              </a:rPr>
-                              <m:t>𝑎𝑙𝑙</m:t>
-                            </m:r>
-                          </m:sub>
-                        </m:sSub>
-                      </m:e>
-                    </m:d>
-                    <m:r>
-                      <a:rPr lang="en-US" b="0" i="1" smtClean="0">
-                        <a:latin typeface="Cambria Math" panose="02040503050406030204" pitchFamily="18" charset="0"/>
-                      </a:rPr>
-                      <m:t>.</m:t>
-                    </m:r>
-                    <m:r>
-                      <a:rPr lang="en-US" b="0" i="1" smtClean="0">
-                        <a:latin typeface="Cambria Math" panose="02040503050406030204" pitchFamily="18" charset="0"/>
-                      </a:rPr>
-                      <m:t>𝑅</m:t>
-                    </m:r>
-                    <m:d>
-                      <m:dPr>
-                        <m:begChr m:val="["/>
-                        <m:endChr m:val="]"/>
-                        <m:ctrlPr>
-                          <a:rPr lang="en-US" b="0" i="1" smtClean="0">
-                            <a:latin typeface="Cambria Math" panose="02040503050406030204" pitchFamily="18" charset="0"/>
-                          </a:rPr>
-                        </m:ctrlPr>
-                      </m:dPr>
-                      <m:e>
-                        <m:r>
-                          <a:rPr lang="en-US" b="0" i="1" smtClean="0">
-                            <a:latin typeface="Cambria Math" panose="02040503050406030204" pitchFamily="18" charset="0"/>
-                          </a:rPr>
-                          <m:t>:,−1</m:t>
-                        </m:r>
-                      </m:e>
-                    </m:d>
-                    <m:r>
-                      <a:rPr lang="en-US" b="0" i="1" smtClean="0">
-                        <a:latin typeface="Cambria Math" panose="02040503050406030204" pitchFamily="18" charset="0"/>
-                      </a:rPr>
-                      <m:t>−</m:t>
-                    </m:r>
-                    <m:r>
-                      <a:rPr lang="en-US" b="0" i="1" smtClean="0">
-                        <a:latin typeface="Cambria Math" panose="02040503050406030204" pitchFamily="18" charset="0"/>
-                      </a:rPr>
-                      <m:t>𝑐𝑢𝑟𝑣𝑒</m:t>
-                    </m:r>
-                    <m:d>
-                      <m:dPr>
-                        <m:ctrlPr>
-                          <a:rPr lang="en-US" b="0" i="1" smtClean="0">
-                            <a:latin typeface="Cambria Math" panose="02040503050406030204" pitchFamily="18" charset="0"/>
-                          </a:rPr>
-                        </m:ctrlPr>
-                      </m:dPr>
-                      <m:e>
-                        <m:r>
-                          <a:rPr lang="en-US" b="0" i="1" smtClean="0">
-                            <a:latin typeface="Cambria Math" panose="02040503050406030204" pitchFamily="18" charset="0"/>
-                          </a:rPr>
-                          <m:t>𝑠𝑡𝑒𝑝𝑠</m:t>
-                        </m:r>
-                      </m:e>
-                    </m:d>
-                    <m:r>
-                      <a:rPr lang="en-US" b="0" i="1" smtClean="0">
-                        <a:latin typeface="Cambria Math" panose="02040503050406030204" pitchFamily="18" charset="0"/>
-                      </a:rPr>
-                      <m:t>.</m:t>
-                    </m:r>
-                    <m:r>
-                      <a:rPr lang="en-US" b="0" i="1" smtClean="0">
-                        <a:latin typeface="Cambria Math" panose="02040503050406030204" pitchFamily="18" charset="0"/>
-                      </a:rPr>
-                      <m:t>𝑛𝑜𝑟𝑚𝑎𝑙</m:t>
-                    </m:r>
-                    <m:r>
-                      <a:rPr lang="en-US" b="0" i="1" smtClean="0">
-                        <a:latin typeface="Cambria Math" panose="02040503050406030204" pitchFamily="18" charset="0"/>
-                      </a:rPr>
-                      <m:t>=0</m:t>
-                    </m:r>
-                  </m:oMath>
-                </a14:m>
-                <a:endParaRPr lang="en-US" dirty="0"/>
-              </a:p>
             </p:txBody>
           </p:sp>
         </mc:Choice>
-        <mc:Fallback>
+        <mc:Fallback xmlns="">
           <p:sp>
             <p:nvSpPr>
-              <p:cNvPr id="3" name="文字版面配置區 2">
+              <p:cNvPr id="3" name="Text Placeholder 2">
                 <a:extLst>
                   <a:ext uri="{FF2B5EF4-FFF2-40B4-BE49-F238E27FC236}">
-                    <a16:creationId xmlns:a16="http://schemas.microsoft.com/office/drawing/2014/main" id="{1B2A16A2-4348-470E-BA21-70562639C31D}"/>
+                    <a16:creationId xmlns:a16="http://schemas.microsoft.com/office/drawing/2014/main" id="{0055DA40-1B9E-4BB6-9905-DFC68043EFC6}"/>
                   </a:ext>
                 </a:extLst>
               </p:cNvPr>
@@ -5334,13 +6518,13 @@
             </p:nvSpPr>
             <p:spPr>
               <a:xfrm>
-                <a:off x="299222" y="795863"/>
-                <a:ext cx="9019236" cy="5386275"/>
+                <a:off x="299222" y="1051972"/>
+                <a:ext cx="11195382" cy="5070532"/>
               </a:xfrm>
               <a:blipFill>
-                <a:blip r:embed="rId3"/>
+                <a:blip r:embed="rId2"/>
                 <a:stretch>
-                  <a:fillRect l="-1216"/>
+                  <a:fillRect/>
                 </a:stretch>
               </a:blipFill>
             </p:spPr>
@@ -5359,10 +6543,46 @@
           </p:sp>
         </mc:Fallback>
       </mc:AlternateContent>
+      <p:pic>
+        <p:nvPicPr>
+          <p:cNvPr id="5" name="Picture 4">
+            <a:extLst>
+              <a:ext uri="{FF2B5EF4-FFF2-40B4-BE49-F238E27FC236}">
+                <a16:creationId xmlns:a16="http://schemas.microsoft.com/office/drawing/2014/main" id="{0389F589-6ACB-4961-9A7F-C915BA8E6413}"/>
+              </a:ext>
+            </a:extLst>
+          </p:cNvPr>
+          <p:cNvPicPr>
+            <a:picLocks noChangeAspect="1"/>
+          </p:cNvPicPr>
+          <p:nvPr/>
+        </p:nvPicPr>
+        <p:blipFill>
+          <a:blip r:embed="rId3">
+            <a:extLst>
+              <a:ext uri="{28A0092B-C50C-407E-A947-70E740481C1C}">
+                <a14:useLocalDpi xmlns:a14="http://schemas.microsoft.com/office/drawing/2010/main" val="0"/>
+              </a:ext>
+            </a:extLst>
+          </a:blip>
+          <a:stretch>
+            <a:fillRect/>
+          </a:stretch>
+        </p:blipFill>
+        <p:spPr>
+          <a:xfrm>
+            <a:off x="7089745" y="2189481"/>
+            <a:ext cx="5311755" cy="3983816"/>
+          </a:xfrm>
+          <a:prstGeom prst="rect">
+            <a:avLst/>
+          </a:prstGeom>
+        </p:spPr>
+      </p:pic>
     </p:spTree>
     <p:extLst>
       <p:ext uri="{BB962C8B-B14F-4D97-AF65-F5344CB8AC3E}">
-        <p14:creationId xmlns:p14="http://schemas.microsoft.com/office/powerpoint/2010/main" val="4072457705"/>
+        <p14:creationId xmlns:p14="http://schemas.microsoft.com/office/powerpoint/2010/main" val="2719484008"/>
       </p:ext>
     </p:extLst>
   </p:cSld>
@@ -5372,7 +6592,7 @@
 </p:sld>
 </file>
 
-<file path=ppt/slides/slide2.xml><?xml version="1.0" encoding="utf-8"?>
+<file path=ppt/slides/slide4.xml><?xml version="1.0" encoding="utf-8"?>
 <p:sld xmlns:a="http://schemas.openxmlformats.org/drawingml/2006/main" xmlns:r="http://schemas.openxmlformats.org/officeDocument/2006/relationships" xmlns:p="http://schemas.openxmlformats.org/presentationml/2006/main">
   <p:cSld>
     <p:spTree>
@@ -5389,111 +6609,42 @@
           <a:chExt cx="0" cy="0"/>
         </a:xfrm>
       </p:grpSpPr>
+      <p:sp>
+        <p:nvSpPr>
+          <p:cNvPr id="2" name="Text Placeholder 1">
+            <a:extLst>
+              <a:ext uri="{FF2B5EF4-FFF2-40B4-BE49-F238E27FC236}">
+                <a16:creationId xmlns:a16="http://schemas.microsoft.com/office/drawing/2014/main" id="{8E92F7FB-8DB5-49BE-AAF0-4B660114F2CB}"/>
+              </a:ext>
+            </a:extLst>
+          </p:cNvPr>
+          <p:cNvSpPr>
+            <a:spLocks noGrp="1"/>
+          </p:cNvSpPr>
+          <p:nvPr>
+            <p:ph type="body" sz="quarter" idx="14"/>
+          </p:nvPr>
+        </p:nvSpPr>
+        <p:spPr/>
+        <p:txBody>
+          <a:bodyPr/>
+          <a:lstStyle/>
+          <a:p>
+            <a:r>
+              <a:rPr lang="en-US" dirty="0"/>
+              <a:t>Global QP</a:t>
+            </a:r>
+          </a:p>
+        </p:txBody>
+      </p:sp>
       <mc:AlternateContent xmlns:mc="http://schemas.openxmlformats.org/markup-compatibility/2006">
         <mc:Choice xmlns:a14="http://schemas.microsoft.com/office/drawing/2010/main" Requires="a14">
           <p:sp>
             <p:nvSpPr>
-              <p:cNvPr id="2" name="文字版面配置區 1">
+              <p:cNvPr id="3" name="Text Placeholder 2">
                 <a:extLst>
                   <a:ext uri="{FF2B5EF4-FFF2-40B4-BE49-F238E27FC236}">
-                    <a16:creationId xmlns:a16="http://schemas.microsoft.com/office/drawing/2014/main" id="{C9B6053D-7522-43E5-9B9B-7F1EF47E256C}"/>
-                  </a:ext>
-                </a:extLst>
-              </p:cNvPr>
-              <p:cNvSpPr>
-                <a:spLocks noGrp="1"/>
-              </p:cNvSpPr>
-              <p:nvPr>
-                <p:ph type="body" sz="quarter" idx="14"/>
-              </p:nvPr>
-            </p:nvSpPr>
-            <p:spPr/>
-            <p:txBody>
-              <a:bodyPr/>
-              <a:lstStyle/>
-              <a:p>
-                <a:r>
-                  <a:rPr lang="en-US" dirty="0"/>
-                  <a:t>Dual Arm </a:t>
-                </a:r>
-                <a14:m>
-                  <m:oMath xmlns:m="http://schemas.openxmlformats.org/officeDocument/2006/math">
-                    <m:acc>
-                      <m:accPr>
-                        <m:chr m:val="̇"/>
-                        <m:ctrlPr>
-                          <a:rPr lang="en-US" b="0" i="1" smtClean="0">
-                            <a:latin typeface="Cambria Math" panose="02040503050406030204" pitchFamily="18" charset="0"/>
-                          </a:rPr>
-                        </m:ctrlPr>
-                      </m:accPr>
-                      <m:e>
-                        <m:r>
-                          <a:rPr lang="en-US" b="0" i="1" smtClean="0">
-                            <a:latin typeface="Cambria Math" panose="02040503050406030204" pitchFamily="18" charset="0"/>
-                          </a:rPr>
-                          <m:t>𝜆</m:t>
-                        </m:r>
-                      </m:e>
-                    </m:acc>
-                  </m:oMath>
-                </a14:m>
-                <a:r>
-                  <a:rPr lang="en-US" dirty="0"/>
-                  <a:t> Optimization</a:t>
-                </a:r>
-              </a:p>
-            </p:txBody>
-          </p:sp>
-        </mc:Choice>
-        <mc:Fallback>
-          <p:sp>
-            <p:nvSpPr>
-              <p:cNvPr id="2" name="文字版面配置區 1">
-                <a:extLst>
-                  <a:ext uri="{FF2B5EF4-FFF2-40B4-BE49-F238E27FC236}">
-                    <a16:creationId xmlns:a16="http://schemas.microsoft.com/office/drawing/2014/main" id="{C9B6053D-7522-43E5-9B9B-7F1EF47E256C}"/>
-                  </a:ext>
-                </a:extLst>
-              </p:cNvPr>
-              <p:cNvSpPr>
-                <a:spLocks noGrp="1" noRot="1" noChangeAspect="1" noMove="1" noResize="1" noEditPoints="1" noAdjustHandles="1" noChangeArrowheads="1" noChangeShapeType="1" noTextEdit="1"/>
-              </p:cNvSpPr>
-              <p:nvPr>
-                <p:ph type="body" sz="quarter" idx="14"/>
-              </p:nvPr>
-            </p:nvSpPr>
-            <p:spPr>
-              <a:blipFill>
-                <a:blip r:embed="rId2"/>
-                <a:stretch>
-                  <a:fillRect l="-824" t="-12644" b="-9195"/>
-                </a:stretch>
-              </a:blipFill>
-            </p:spPr>
-            <p:txBody>
-              <a:bodyPr/>
-              <a:lstStyle/>
-              <a:p>
-                <a:r>
-                  <a:rPr lang="en-US">
-                    <a:noFill/>
-                  </a:rPr>
-                  <a:t> </a:t>
-                </a:r>
-              </a:p>
-            </p:txBody>
-          </p:sp>
-        </mc:Fallback>
-      </mc:AlternateContent>
-      <mc:AlternateContent xmlns:mc="http://schemas.openxmlformats.org/markup-compatibility/2006">
-        <mc:Choice xmlns:a14="http://schemas.microsoft.com/office/drawing/2010/main" Requires="a14">
-          <p:sp>
-            <p:nvSpPr>
-              <p:cNvPr id="3" name="文字版面配置區 2">
-                <a:extLst>
-                  <a:ext uri="{FF2B5EF4-FFF2-40B4-BE49-F238E27FC236}">
-                    <a16:creationId xmlns:a16="http://schemas.microsoft.com/office/drawing/2014/main" id="{1B2A16A2-4348-470E-BA21-70562639C31D}"/>
+                    <a16:creationId xmlns:a16="http://schemas.microsoft.com/office/drawing/2014/main" id="{6851D6D1-33E0-45CE-B73B-3C11390A35A1}"/>
                   </a:ext>
                 </a:extLst>
               </p:cNvPr>
@@ -5506,22 +6657,24 @@
             </p:nvSpPr>
             <p:spPr>
               <a:xfrm>
-                <a:off x="299221" y="795863"/>
-                <a:ext cx="11769513" cy="5386275"/>
+                <a:off x="-51299" y="1032881"/>
+                <a:ext cx="12578579" cy="4792237"/>
               </a:xfrm>
             </p:spPr>
             <p:txBody>
-              <a:bodyPr>
-                <a:normAutofit/>
-              </a:bodyPr>
+              <a:bodyPr/>
               <a:lstStyle/>
               <a:p>
+                <a:r>
+                  <a:rPr lang="en-US" dirty="0"/>
+                  <a:t>1. </a:t>
+                </a:r>
                 <a14:m>
                   <m:oMath xmlns:m="http://schemas.openxmlformats.org/officeDocument/2006/math">
                     <m:func>
                       <m:funcPr>
                         <m:ctrlPr>
-                          <a:rPr lang="en-US" b="0" i="1" smtClean="0">
+                          <a:rPr lang="en-US" i="1" smtClean="0">
                             <a:latin typeface="Cambria Math" panose="02040503050406030204" pitchFamily="18" charset="0"/>
                           </a:rPr>
                         </m:ctrlPr>
@@ -5530,7 +6683,7 @@
                         <m:limLow>
                           <m:limLowPr>
                             <m:ctrlPr>
-                              <a:rPr lang="en-US" b="0" i="1" smtClean="0">
+                              <a:rPr lang="en-US" i="1">
                                 <a:latin typeface="Cambria Math" panose="02040503050406030204" pitchFamily="18" charset="0"/>
                               </a:rPr>
                             </m:ctrlPr>
@@ -5540,7 +6693,7 @@
                               <m:rPr>
                                 <m:sty m:val="p"/>
                               </m:rPr>
-                              <a:rPr lang="en-US" b="0" i="0" smtClean="0">
+                              <a:rPr lang="en-US">
                                 <a:latin typeface="Cambria Math" panose="02040503050406030204" pitchFamily="18" charset="0"/>
                               </a:rPr>
                               <m:t>min</m:t>
@@ -5559,6 +6712,14 @@
                                 <m:r>
                                   <a:rPr lang="en-US" b="0" i="1" smtClean="0">
                                     <a:latin typeface="Cambria Math" panose="02040503050406030204" pitchFamily="18" charset="0"/>
+                                    <a:ea typeface="Cambria Math" panose="02040503050406030204" pitchFamily="18" charset="0"/>
+                                  </a:rPr>
+                                  <m:t>𝜕</m:t>
+                                </m:r>
+                                <m:r>
+                                  <a:rPr lang="en-US" b="0" i="1" smtClean="0">
+                                    <a:latin typeface="Cambria Math" panose="02040503050406030204" pitchFamily="18" charset="0"/>
+                                    <a:ea typeface="Cambria Math" panose="02040503050406030204" pitchFamily="18" charset="0"/>
                                   </a:rPr>
                                   <m:t>𝑞</m:t>
                                 </m:r>
@@ -5576,124 +6737,579 @@
                         </m:limLow>
                       </m:fName>
                       <m:e>
+                        <m:sSup>
+                          <m:sSupPr>
+                            <m:ctrlPr>
+                              <a:rPr lang="en-US" b="0" i="1" smtClean="0">
+                                <a:latin typeface="Cambria Math" panose="02040503050406030204" pitchFamily="18" charset="0"/>
+                                <a:ea typeface="Cambria Math" panose="02040503050406030204" pitchFamily="18" charset="0"/>
+                              </a:rPr>
+                            </m:ctrlPr>
+                          </m:sSupPr>
+                          <m:e>
+                            <m:d>
+                              <m:dPr>
+                                <m:begChr m:val="|"/>
+                                <m:endChr m:val="|"/>
+                                <m:ctrlPr>
+                                  <a:rPr lang="en-US" b="0" i="1" smtClean="0">
+                                    <a:latin typeface="Cambria Math" panose="02040503050406030204" pitchFamily="18" charset="0"/>
+                                  </a:rPr>
+                                </m:ctrlPr>
+                              </m:dPr>
+                              <m:e>
+                                <m:d>
+                                  <m:dPr>
+                                    <m:begChr m:val="|"/>
+                                    <m:endChr m:val="|"/>
+                                    <m:ctrlPr>
+                                      <a:rPr lang="en-US" b="0" i="1" smtClean="0">
+                                        <a:latin typeface="Cambria Math" panose="02040503050406030204" pitchFamily="18" charset="0"/>
+                                      </a:rPr>
+                                    </m:ctrlPr>
+                                  </m:dPr>
+                                  <m:e>
+                                    <m:sSub>
+                                      <m:sSubPr>
+                                        <m:ctrlPr>
+                                          <a:rPr lang="en-US" b="0" i="1" smtClean="0">
+                                            <a:latin typeface="Cambria Math" panose="02040503050406030204" pitchFamily="18" charset="0"/>
+                                          </a:rPr>
+                                        </m:ctrlPr>
+                                      </m:sSubPr>
+                                      <m:e>
+                                        <m:r>
+                                          <a:rPr lang="en-US" b="0" i="1" smtClean="0">
+                                            <a:latin typeface="Cambria Math" panose="02040503050406030204" pitchFamily="18" charset="0"/>
+                                          </a:rPr>
+                                          <m:t>𝐽</m:t>
+                                        </m:r>
+                                      </m:e>
+                                      <m:sub>
+                                        <m:r>
+                                          <a:rPr lang="en-US" b="0" i="1" smtClean="0">
+                                            <a:latin typeface="Cambria Math" panose="02040503050406030204" pitchFamily="18" charset="0"/>
+                                          </a:rPr>
+                                          <m:t>𝑝</m:t>
+                                        </m:r>
+                                      </m:sub>
+                                    </m:sSub>
+                                    <m:r>
+                                      <a:rPr lang="en-US" b="0" i="1" smtClean="0">
+                                        <a:latin typeface="Cambria Math" panose="02040503050406030204" pitchFamily="18" charset="0"/>
+                                      </a:rPr>
+                                      <m:t>(</m:t>
+                                    </m:r>
+                                    <m:sSub>
+                                      <m:sSubPr>
+                                        <m:ctrlPr>
+                                          <a:rPr lang="en-US" b="0" i="1" smtClean="0">
+                                            <a:latin typeface="Cambria Math" panose="02040503050406030204" pitchFamily="18" charset="0"/>
+                                          </a:rPr>
+                                        </m:ctrlPr>
+                                      </m:sSubPr>
+                                      <m:e>
+                                        <m:r>
+                                          <a:rPr lang="en-US" b="0" i="1" smtClean="0">
+                                            <a:latin typeface="Cambria Math" panose="02040503050406030204" pitchFamily="18" charset="0"/>
+                                          </a:rPr>
+                                          <m:t>𝑞</m:t>
+                                        </m:r>
+                                      </m:e>
+                                      <m:sub>
+                                        <m:r>
+                                          <a:rPr lang="en-US" b="0" i="1" smtClean="0">
+                                            <a:latin typeface="Cambria Math" panose="02040503050406030204" pitchFamily="18" charset="0"/>
+                                          </a:rPr>
+                                          <m:t>𝑎𝑙𝑙</m:t>
+                                        </m:r>
+                                      </m:sub>
+                                    </m:sSub>
+                                    <m:r>
+                                      <a:rPr lang="en-US" b="0" i="1" smtClean="0">
+                                        <a:latin typeface="Cambria Math" panose="02040503050406030204" pitchFamily="18" charset="0"/>
+                                      </a:rPr>
+                                      <m:t>)∙</m:t>
+                                    </m:r>
+                                    <m:sSub>
+                                      <m:sSubPr>
+                                        <m:ctrlPr>
+                                          <a:rPr lang="en-US" b="0" i="1" smtClean="0">
+                                            <a:latin typeface="Cambria Math" panose="02040503050406030204" pitchFamily="18" charset="0"/>
+                                            <a:ea typeface="Cambria Math" panose="02040503050406030204" pitchFamily="18" charset="0"/>
+                                          </a:rPr>
+                                        </m:ctrlPr>
+                                      </m:sSubPr>
+                                      <m:e>
+                                        <m:r>
+                                          <a:rPr lang="en-US" i="1">
+                                            <a:latin typeface="Cambria Math" panose="02040503050406030204" pitchFamily="18" charset="0"/>
+                                            <a:ea typeface="Cambria Math" panose="02040503050406030204" pitchFamily="18" charset="0"/>
+                                          </a:rPr>
+                                          <m:t>𝜕</m:t>
+                                        </m:r>
+                                        <m:r>
+                                          <a:rPr lang="en-US" i="1">
+                                            <a:latin typeface="Cambria Math" panose="02040503050406030204" pitchFamily="18" charset="0"/>
+                                            <a:ea typeface="Cambria Math" panose="02040503050406030204" pitchFamily="18" charset="0"/>
+                                          </a:rPr>
+                                          <m:t>𝑞</m:t>
+                                        </m:r>
+                                      </m:e>
+                                      <m:sub>
+                                        <m:r>
+                                          <a:rPr lang="en-US" b="0" i="1" smtClean="0">
+                                            <a:latin typeface="Cambria Math" panose="02040503050406030204" pitchFamily="18" charset="0"/>
+                                            <a:ea typeface="Cambria Math" panose="02040503050406030204" pitchFamily="18" charset="0"/>
+                                          </a:rPr>
+                                          <m:t>𝑎𝑙𝑙</m:t>
+                                        </m:r>
+                                      </m:sub>
+                                    </m:sSub>
+                                    <m:r>
+                                      <a:rPr lang="en-US" b="0" i="1" smtClean="0">
+                                        <a:latin typeface="Cambria Math" panose="02040503050406030204" pitchFamily="18" charset="0"/>
+                                        <a:ea typeface="Cambria Math" panose="02040503050406030204" pitchFamily="18" charset="0"/>
+                                      </a:rPr>
+                                      <m:t>−</m:t>
+                                    </m:r>
+                                    <m:sSub>
+                                      <m:sSubPr>
+                                        <m:ctrlPr>
+                                          <a:rPr lang="en-US" b="0" i="1" smtClean="0">
+                                            <a:latin typeface="Cambria Math" panose="02040503050406030204" pitchFamily="18" charset="0"/>
+                                            <a:ea typeface="Cambria Math" panose="02040503050406030204" pitchFamily="18" charset="0"/>
+                                          </a:rPr>
+                                        </m:ctrlPr>
+                                      </m:sSubPr>
+                                      <m:e>
+                                        <m:r>
+                                          <a:rPr lang="en-US" b="0" i="1" smtClean="0">
+                                            <a:latin typeface="Cambria Math" panose="02040503050406030204" pitchFamily="18" charset="0"/>
+                                            <a:ea typeface="Cambria Math" panose="02040503050406030204" pitchFamily="18" charset="0"/>
+                                          </a:rPr>
+                                          <m:t>𝑒</m:t>
+                                        </m:r>
+                                      </m:e>
+                                      <m:sub>
+                                        <m:sSub>
+                                          <m:sSubPr>
+                                            <m:ctrlPr>
+                                              <a:rPr lang="en-US" b="0" i="1" smtClean="0">
+                                                <a:latin typeface="Cambria Math" panose="02040503050406030204" pitchFamily="18" charset="0"/>
+                                                <a:ea typeface="Cambria Math" panose="02040503050406030204" pitchFamily="18" charset="0"/>
+                                              </a:rPr>
+                                            </m:ctrlPr>
+                                          </m:sSubPr>
+                                          <m:e>
+                                            <m:r>
+                                              <a:rPr lang="en-US" b="0" i="1" smtClean="0">
+                                                <a:latin typeface="Cambria Math" panose="02040503050406030204" pitchFamily="18" charset="0"/>
+                                                <a:ea typeface="Cambria Math" panose="02040503050406030204" pitchFamily="18" charset="0"/>
+                                              </a:rPr>
+                                              <m:t>𝑝</m:t>
+                                            </m:r>
+                                          </m:e>
+                                          <m:sub>
+                                            <m:r>
+                                              <a:rPr lang="en-US" b="0" i="1" smtClean="0">
+                                                <a:latin typeface="Cambria Math" panose="02040503050406030204" pitchFamily="18" charset="0"/>
+                                                <a:ea typeface="Cambria Math" panose="02040503050406030204" pitchFamily="18" charset="0"/>
+                                              </a:rPr>
+                                              <m:t>𝑎𝑙𝑙</m:t>
+                                            </m:r>
+                                          </m:sub>
+                                        </m:sSub>
+                                      </m:sub>
+                                    </m:sSub>
+                                  </m:e>
+                                </m:d>
+                              </m:e>
+                            </m:d>
+                          </m:e>
+                          <m:sup>
+                            <m:r>
+                              <a:rPr lang="en-US" b="0" i="1" smtClean="0">
+                                <a:latin typeface="Cambria Math" panose="02040503050406030204" pitchFamily="18" charset="0"/>
+                                <a:ea typeface="Cambria Math" panose="02040503050406030204" pitchFamily="18" charset="0"/>
+                              </a:rPr>
+                              <m:t>2</m:t>
+                            </m:r>
+                          </m:sup>
+                        </m:sSup>
                         <m:r>
                           <a:rPr lang="en-US" b="0" i="1" smtClean="0">
                             <a:latin typeface="Cambria Math" panose="02040503050406030204" pitchFamily="18" charset="0"/>
+                            <a:ea typeface="Cambria Math" panose="02040503050406030204" pitchFamily="18" charset="0"/>
                           </a:rPr>
-                          <m:t>−</m:t>
+                          <m:t>+</m:t>
                         </m:r>
-                        <m:r>
-                          <m:rPr>
-                            <m:sty m:val="p"/>
-                          </m:rPr>
-                          <a:rPr lang="en-US" b="0" i="0" smtClean="0">
-                            <a:latin typeface="Cambria Math" panose="02040503050406030204" pitchFamily="18" charset="0"/>
-                          </a:rPr>
-                          <m:t>min</m:t>
-                        </m:r>
+                        <m:sSup>
+                          <m:sSupPr>
+                            <m:ctrlPr>
+                              <a:rPr lang="en-US" b="0" i="1" smtClean="0">
+                                <a:latin typeface="Cambria Math" panose="02040503050406030204" pitchFamily="18" charset="0"/>
+                                <a:ea typeface="Cambria Math" panose="02040503050406030204" pitchFamily="18" charset="0"/>
+                              </a:rPr>
+                            </m:ctrlPr>
+                          </m:sSupPr>
+                          <m:e>
+                            <m:r>
+                              <a:rPr lang="en-US" b="0" i="1" smtClean="0">
+                                <a:latin typeface="Cambria Math" panose="02040503050406030204" pitchFamily="18" charset="0"/>
+                                <a:ea typeface="Cambria Math" panose="02040503050406030204" pitchFamily="18" charset="0"/>
+                              </a:rPr>
+                              <m:t>𝑤</m:t>
+                            </m:r>
+                            <m:d>
+                              <m:dPr>
+                                <m:begChr m:val="|"/>
+                                <m:endChr m:val="|"/>
+                                <m:ctrlPr>
+                                  <a:rPr lang="en-US" b="0" i="1" smtClean="0">
+                                    <a:latin typeface="Cambria Math" panose="02040503050406030204" pitchFamily="18" charset="0"/>
+                                    <a:ea typeface="Cambria Math" panose="02040503050406030204" pitchFamily="18" charset="0"/>
+                                  </a:rPr>
+                                </m:ctrlPr>
+                              </m:dPr>
+                              <m:e>
+                                <m:d>
+                                  <m:dPr>
+                                    <m:begChr m:val="|"/>
+                                    <m:endChr m:val="|"/>
+                                    <m:ctrlPr>
+                                      <a:rPr lang="en-US" b="0" i="1" smtClean="0">
+                                        <a:latin typeface="Cambria Math" panose="02040503050406030204" pitchFamily="18" charset="0"/>
+                                        <a:ea typeface="Cambria Math" panose="02040503050406030204" pitchFamily="18" charset="0"/>
+                                      </a:rPr>
+                                    </m:ctrlPr>
+                                  </m:dPr>
+                                  <m:e>
+                                    <m:sSub>
+                                      <m:sSubPr>
+                                        <m:ctrlPr>
+                                          <a:rPr lang="en-US" b="0" i="1" smtClean="0">
+                                            <a:latin typeface="Cambria Math" panose="02040503050406030204" pitchFamily="18" charset="0"/>
+                                            <a:ea typeface="Cambria Math" panose="02040503050406030204" pitchFamily="18" charset="0"/>
+                                          </a:rPr>
+                                        </m:ctrlPr>
+                                      </m:sSubPr>
+                                      <m:e>
+                                        <m:r>
+                                          <a:rPr lang="en-US" b="0" i="1" smtClean="0">
+                                            <a:latin typeface="Cambria Math" panose="02040503050406030204" pitchFamily="18" charset="0"/>
+                                            <a:ea typeface="Cambria Math" panose="02040503050406030204" pitchFamily="18" charset="0"/>
+                                          </a:rPr>
+                                          <m:t>𝐽</m:t>
+                                        </m:r>
+                                      </m:e>
+                                      <m:sub>
+                                        <m:r>
+                                          <a:rPr lang="en-US" b="0" i="1" smtClean="0">
+                                            <a:latin typeface="Cambria Math" panose="02040503050406030204" pitchFamily="18" charset="0"/>
+                                            <a:ea typeface="Cambria Math" panose="02040503050406030204" pitchFamily="18" charset="0"/>
+                                          </a:rPr>
+                                          <m:t>𝑅</m:t>
+                                        </m:r>
+                                      </m:sub>
+                                    </m:sSub>
+                                    <m:r>
+                                      <a:rPr lang="en-US" b="0" i="1" smtClean="0">
+                                        <a:latin typeface="Cambria Math" panose="02040503050406030204" pitchFamily="18" charset="0"/>
+                                        <a:ea typeface="Cambria Math" panose="02040503050406030204" pitchFamily="18" charset="0"/>
+                                      </a:rPr>
+                                      <m:t>(</m:t>
+                                    </m:r>
+                                    <m:sSub>
+                                      <m:sSubPr>
+                                        <m:ctrlPr>
+                                          <a:rPr lang="en-US" b="0" i="1" smtClean="0">
+                                            <a:latin typeface="Cambria Math" panose="02040503050406030204" pitchFamily="18" charset="0"/>
+                                            <a:ea typeface="Cambria Math" panose="02040503050406030204" pitchFamily="18" charset="0"/>
+                                          </a:rPr>
+                                        </m:ctrlPr>
+                                      </m:sSubPr>
+                                      <m:e>
+                                        <m:r>
+                                          <a:rPr lang="en-US" b="0" i="1" smtClean="0">
+                                            <a:latin typeface="Cambria Math" panose="02040503050406030204" pitchFamily="18" charset="0"/>
+                                            <a:ea typeface="Cambria Math" panose="02040503050406030204" pitchFamily="18" charset="0"/>
+                                          </a:rPr>
+                                          <m:t>𝑞</m:t>
+                                        </m:r>
+                                      </m:e>
+                                      <m:sub>
+                                        <m:r>
+                                          <a:rPr lang="en-US" b="0" i="1" smtClean="0">
+                                            <a:latin typeface="Cambria Math" panose="02040503050406030204" pitchFamily="18" charset="0"/>
+                                            <a:ea typeface="Cambria Math" panose="02040503050406030204" pitchFamily="18" charset="0"/>
+                                          </a:rPr>
+                                          <m:t>𝑎𝑙𝑙</m:t>
+                                        </m:r>
+                                      </m:sub>
+                                    </m:sSub>
+                                    <m:r>
+                                      <a:rPr lang="en-US" b="0" i="1" smtClean="0">
+                                        <a:latin typeface="Cambria Math" panose="02040503050406030204" pitchFamily="18" charset="0"/>
+                                        <a:ea typeface="Cambria Math" panose="02040503050406030204" pitchFamily="18" charset="0"/>
+                                      </a:rPr>
+                                      <m:t>)∙</m:t>
+                                    </m:r>
+                                    <m:sSub>
+                                      <m:sSubPr>
+                                        <m:ctrlPr>
+                                          <a:rPr lang="en-US" b="0" i="1" smtClean="0">
+                                            <a:latin typeface="Cambria Math" panose="02040503050406030204" pitchFamily="18" charset="0"/>
+                                            <a:ea typeface="Cambria Math" panose="02040503050406030204" pitchFamily="18" charset="0"/>
+                                          </a:rPr>
+                                        </m:ctrlPr>
+                                      </m:sSubPr>
+                                      <m:e>
+                                        <m:r>
+                                          <a:rPr lang="en-US" i="1">
+                                            <a:latin typeface="Cambria Math" panose="02040503050406030204" pitchFamily="18" charset="0"/>
+                                            <a:ea typeface="Cambria Math" panose="02040503050406030204" pitchFamily="18" charset="0"/>
+                                          </a:rPr>
+                                          <m:t>𝜕</m:t>
+                                        </m:r>
+                                        <m:r>
+                                          <a:rPr lang="en-US" i="1">
+                                            <a:latin typeface="Cambria Math" panose="02040503050406030204" pitchFamily="18" charset="0"/>
+                                            <a:ea typeface="Cambria Math" panose="02040503050406030204" pitchFamily="18" charset="0"/>
+                                          </a:rPr>
+                                          <m:t>𝑞</m:t>
+                                        </m:r>
+                                      </m:e>
+                                      <m:sub>
+                                        <m:r>
+                                          <a:rPr lang="en-US" b="0" i="1" smtClean="0">
+                                            <a:latin typeface="Cambria Math" panose="02040503050406030204" pitchFamily="18" charset="0"/>
+                                            <a:ea typeface="Cambria Math" panose="02040503050406030204" pitchFamily="18" charset="0"/>
+                                          </a:rPr>
+                                          <m:t>𝑎𝑙𝑙</m:t>
+                                        </m:r>
+                                      </m:sub>
+                                    </m:sSub>
+                                    <m:r>
+                                      <a:rPr lang="en-US" b="0" i="1" smtClean="0">
+                                        <a:latin typeface="Cambria Math" panose="02040503050406030204" pitchFamily="18" charset="0"/>
+                                        <a:ea typeface="Cambria Math" panose="02040503050406030204" pitchFamily="18" charset="0"/>
+                                      </a:rPr>
+                                      <m:t>−</m:t>
+                                    </m:r>
+                                    <m:sSub>
+                                      <m:sSubPr>
+                                        <m:ctrlPr>
+                                          <a:rPr lang="en-US" b="0" i="1" smtClean="0">
+                                            <a:latin typeface="Cambria Math" panose="02040503050406030204" pitchFamily="18" charset="0"/>
+                                            <a:ea typeface="Cambria Math" panose="02040503050406030204" pitchFamily="18" charset="0"/>
+                                          </a:rPr>
+                                        </m:ctrlPr>
+                                      </m:sSubPr>
+                                      <m:e>
+                                        <m:sSub>
+                                          <m:sSubPr>
+                                            <m:ctrlPr>
+                                              <a:rPr lang="en-US" b="0" i="1" smtClean="0">
+                                                <a:latin typeface="Cambria Math" panose="02040503050406030204" pitchFamily="18" charset="0"/>
+                                                <a:ea typeface="Cambria Math" panose="02040503050406030204" pitchFamily="18" charset="0"/>
+                                              </a:rPr>
+                                            </m:ctrlPr>
+                                          </m:sSubPr>
+                                          <m:e>
+                                            <m:r>
+                                              <a:rPr lang="en-US" b="0" i="1" smtClean="0">
+                                                <a:latin typeface="Cambria Math" panose="02040503050406030204" pitchFamily="18" charset="0"/>
+                                                <a:ea typeface="Cambria Math" panose="02040503050406030204" pitchFamily="18" charset="0"/>
+                                              </a:rPr>
+                                              <m:t>𝑒</m:t>
+                                            </m:r>
+                                          </m:e>
+                                          <m:sub>
+                                            <m:r>
+                                              <a:rPr lang="en-US" b="0" i="1" smtClean="0">
+                                                <a:latin typeface="Cambria Math" panose="02040503050406030204" pitchFamily="18" charset="0"/>
+                                                <a:ea typeface="Cambria Math" panose="02040503050406030204" pitchFamily="18" charset="0"/>
+                                              </a:rPr>
+                                              <m:t>𝑅</m:t>
+                                            </m:r>
+                                          </m:sub>
+                                        </m:sSub>
+                                      </m:e>
+                                      <m:sub>
+                                        <m:r>
+                                          <a:rPr lang="en-US" b="0" i="1" smtClean="0">
+                                            <a:latin typeface="Cambria Math" panose="02040503050406030204" pitchFamily="18" charset="0"/>
+                                            <a:ea typeface="Cambria Math" panose="02040503050406030204" pitchFamily="18" charset="0"/>
+                                          </a:rPr>
+                                          <m:t>𝑎𝑙𝑙</m:t>
+                                        </m:r>
+                                      </m:sub>
+                                    </m:sSub>
+                                  </m:e>
+                                </m:d>
+                              </m:e>
+                            </m:d>
+                          </m:e>
+                          <m:sup>
+                            <m:r>
+                              <a:rPr lang="en-US" b="0" i="1" smtClean="0">
+                                <a:latin typeface="Cambria Math" panose="02040503050406030204" pitchFamily="18" charset="0"/>
+                                <a:ea typeface="Cambria Math" panose="02040503050406030204" pitchFamily="18" charset="0"/>
+                              </a:rPr>
+                              <m:t>2</m:t>
+                            </m:r>
+                          </m:sup>
+                        </m:sSup>
                         <m:r>
                           <a:rPr lang="en-US" b="0" i="1" smtClean="0">
                             <a:latin typeface="Cambria Math" panose="02040503050406030204" pitchFamily="18" charset="0"/>
+                            <a:ea typeface="Cambria Math" panose="02040503050406030204" pitchFamily="18" charset="0"/>
                           </a:rPr>
-                          <m:t>⁡(</m:t>
+                          <m:t>+</m:t>
                         </m:r>
                         <m:sSub>
                           <m:sSubPr>
                             <m:ctrlPr>
                               <a:rPr lang="en-US" b="0" i="1" smtClean="0">
                                 <a:latin typeface="Cambria Math" panose="02040503050406030204" pitchFamily="18" charset="0"/>
+                                <a:ea typeface="Cambria Math" panose="02040503050406030204" pitchFamily="18" charset="0"/>
                               </a:rPr>
                             </m:ctrlPr>
                           </m:sSubPr>
                           <m:e>
-                            <m:acc>
-                              <m:accPr>
-                                <m:chr m:val="̇"/>
-                                <m:ctrlPr>
-                                  <a:rPr lang="en-US" b="0" i="1" smtClean="0">
-                                    <a:latin typeface="Cambria Math" panose="02040503050406030204" pitchFamily="18" charset="0"/>
-                                  </a:rPr>
-                                </m:ctrlPr>
-                              </m:accPr>
-                              <m:e>
-                                <m:r>
-                                  <a:rPr lang="en-US" b="0" i="1" smtClean="0">
-                                    <a:latin typeface="Cambria Math" panose="02040503050406030204" pitchFamily="18" charset="0"/>
-                                  </a:rPr>
-                                  <m:t>𝜆</m:t>
-                                </m:r>
-                              </m:e>
-                            </m:acc>
+                            <m:r>
+                              <a:rPr lang="en-US" b="0" i="1" smtClean="0">
+                                <a:latin typeface="Cambria Math" panose="02040503050406030204" pitchFamily="18" charset="0"/>
+                                <a:ea typeface="Cambria Math" panose="02040503050406030204" pitchFamily="18" charset="0"/>
+                              </a:rPr>
+                              <m:t>𝐾</m:t>
+                            </m:r>
                           </m:e>
                           <m:sub>
                             <m:r>
                               <a:rPr lang="en-US" b="0" i="1" smtClean="0">
                                 <a:latin typeface="Cambria Math" panose="02040503050406030204" pitchFamily="18" charset="0"/>
+                                <a:ea typeface="Cambria Math" panose="02040503050406030204" pitchFamily="18" charset="0"/>
                               </a:rPr>
-                              <m:t>𝑚𝑎𝑥</m:t>
+                              <m:t>𝑞</m:t>
                             </m:r>
                           </m:sub>
                         </m:sSub>
-                        <m:r>
-                          <a:rPr lang="en-US" b="0" i="1" smtClean="0">
-                            <a:latin typeface="Cambria Math" panose="02040503050406030204" pitchFamily="18" charset="0"/>
-                          </a:rPr>
-                          <m:t>)</m:t>
-                        </m:r>
+                        <m:sSup>
+                          <m:sSupPr>
+                            <m:ctrlPr>
+                              <a:rPr lang="en-US" b="0" i="1" smtClean="0">
+                                <a:solidFill>
+                                  <a:srgbClr val="FF0000"/>
+                                </a:solidFill>
+                                <a:latin typeface="Cambria Math" panose="02040503050406030204" pitchFamily="18" charset="0"/>
+                                <a:ea typeface="Cambria Math" panose="02040503050406030204" pitchFamily="18" charset="0"/>
+                              </a:rPr>
+                            </m:ctrlPr>
+                          </m:sSupPr>
+                          <m:e>
+                            <m:d>
+                              <m:dPr>
+                                <m:begChr m:val="|"/>
+                                <m:endChr m:val="|"/>
+                                <m:ctrlPr>
+                                  <a:rPr lang="en-US" b="0" i="1" smtClean="0">
+                                    <a:solidFill>
+                                      <a:srgbClr val="FF0000"/>
+                                    </a:solidFill>
+                                    <a:latin typeface="Cambria Math" panose="02040503050406030204" pitchFamily="18" charset="0"/>
+                                    <a:ea typeface="Cambria Math" panose="02040503050406030204" pitchFamily="18" charset="0"/>
+                                  </a:rPr>
+                                </m:ctrlPr>
+                              </m:dPr>
+                              <m:e>
+                                <m:d>
+                                  <m:dPr>
+                                    <m:begChr m:val="|"/>
+                                    <m:endChr m:val="|"/>
+                                    <m:ctrlPr>
+                                      <a:rPr lang="en-US" b="0" i="1" smtClean="0">
+                                        <a:solidFill>
+                                          <a:srgbClr val="FF0000"/>
+                                        </a:solidFill>
+                                        <a:latin typeface="Cambria Math" panose="02040503050406030204" pitchFamily="18" charset="0"/>
+                                        <a:ea typeface="Cambria Math" panose="02040503050406030204" pitchFamily="18" charset="0"/>
+                                      </a:rPr>
+                                    </m:ctrlPr>
+                                  </m:dPr>
+                                  <m:e>
+                                    <m:r>
+                                      <a:rPr lang="en-US" i="1">
+                                        <a:solidFill>
+                                          <a:srgbClr val="FF0000"/>
+                                        </a:solidFill>
+                                        <a:latin typeface="Cambria Math" panose="02040503050406030204" pitchFamily="18" charset="0"/>
+                                        <a:ea typeface="Cambria Math" panose="02040503050406030204" pitchFamily="18" charset="0"/>
+                                      </a:rPr>
+                                      <m:t>𝜕</m:t>
+                                    </m:r>
+                                    <m:sSub>
+                                      <m:sSubPr>
+                                        <m:ctrlPr>
+                                          <a:rPr lang="en-US" b="0" i="1" smtClean="0">
+                                            <a:solidFill>
+                                              <a:srgbClr val="FF0000"/>
+                                            </a:solidFill>
+                                            <a:latin typeface="Cambria Math" panose="02040503050406030204" pitchFamily="18" charset="0"/>
+                                            <a:ea typeface="Cambria Math" panose="02040503050406030204" pitchFamily="18" charset="0"/>
+                                          </a:rPr>
+                                        </m:ctrlPr>
+                                      </m:sSubPr>
+                                      <m:e>
+                                        <m:r>
+                                          <a:rPr lang="en-US" i="1">
+                                            <a:solidFill>
+                                              <a:srgbClr val="FF0000"/>
+                                            </a:solidFill>
+                                            <a:latin typeface="Cambria Math" panose="02040503050406030204" pitchFamily="18" charset="0"/>
+                                            <a:ea typeface="Cambria Math" panose="02040503050406030204" pitchFamily="18" charset="0"/>
+                                          </a:rPr>
+                                          <m:t>𝑞</m:t>
+                                        </m:r>
+                                      </m:e>
+                                      <m:sub>
+                                        <m:r>
+                                          <a:rPr lang="en-US" b="0" i="1" smtClean="0">
+                                            <a:solidFill>
+                                              <a:srgbClr val="FF0000"/>
+                                            </a:solidFill>
+                                            <a:latin typeface="Cambria Math" panose="02040503050406030204" pitchFamily="18" charset="0"/>
+                                            <a:ea typeface="Cambria Math" panose="02040503050406030204" pitchFamily="18" charset="0"/>
+                                          </a:rPr>
+                                          <m:t>𝑎𝑙𝑙</m:t>
+                                        </m:r>
+                                      </m:sub>
+                                    </m:sSub>
+                                  </m:e>
+                                </m:d>
+                              </m:e>
+                            </m:d>
+                          </m:e>
+                          <m:sup>
+                            <m:r>
+                              <a:rPr lang="en-US" b="0" i="1" smtClean="0">
+                                <a:solidFill>
+                                  <a:srgbClr val="FF0000"/>
+                                </a:solidFill>
+                                <a:latin typeface="Cambria Math" panose="02040503050406030204" pitchFamily="18" charset="0"/>
+                                <a:ea typeface="Cambria Math" panose="02040503050406030204" pitchFamily="18" charset="0"/>
+                              </a:rPr>
+                              <m:t>2</m:t>
+                            </m:r>
+                          </m:sup>
+                        </m:sSup>
                       </m:e>
                     </m:func>
                   </m:oMath>
                 </a14:m>
-                <a:endParaRPr lang="en-US" b="0" dirty="0"/>
-              </a:p>
-              <a:p>
-                <a:pPr lvl="2"/>
-                <a:r>
-                  <a:rPr lang="en-US" dirty="0">
-                    <a:latin typeface="Cambria Math" panose="02040503050406030204" pitchFamily="18" charset="0"/>
-                  </a:rPr>
-                  <a:t>Steps: number of segments of curve in joint space</a:t>
-                </a:r>
-              </a:p>
-              <a:p>
-                <a:pPr lvl="2"/>
-                <a14:m>
-                  <m:oMath xmlns:m="http://schemas.openxmlformats.org/officeDocument/2006/math">
-                    <m:r>
-                      <a:rPr lang="en-US" b="0" i="1" smtClean="0">
-                        <a:latin typeface="Cambria Math" panose="02040503050406030204" pitchFamily="18" charset="0"/>
-                      </a:rPr>
-                      <m:t>𝜆</m:t>
-                    </m:r>
-                  </m:oMath>
-                </a14:m>
-                <a:r>
-                  <a:rPr lang="en-US" b="0" dirty="0">
-                    <a:latin typeface="Cambria Math" panose="02040503050406030204" pitchFamily="18" charset="0"/>
-                  </a:rPr>
-                  <a:t>: relative path length, </a:t>
-                </a:r>
-                <a:r>
-                  <a:rPr lang="en-US" dirty="0"/>
-                  <a:t>steps</a:t>
-                </a:r>
-                <a14:m>
-                  <m:oMath xmlns:m="http://schemas.openxmlformats.org/officeDocument/2006/math">
-                    <m:r>
-                      <a:rPr lang="en-US" i="1">
-                        <a:latin typeface="Cambria Math" panose="02040503050406030204" pitchFamily="18" charset="0"/>
-                        <a:ea typeface="Cambria Math" panose="02040503050406030204" pitchFamily="18" charset="0"/>
-                      </a:rPr>
-                      <m:t>×</m:t>
-                    </m:r>
-                  </m:oMath>
-                </a14:m>
-                <a:r>
-                  <a:rPr lang="en-US" dirty="0"/>
-                  <a:t>1 vector</a:t>
-                </a:r>
                 <a:endParaRPr lang="en-US" b="0" dirty="0">
-                  <a:latin typeface="Cambria Math" panose="02040503050406030204" pitchFamily="18" charset="0"/>
+                  <a:ea typeface="Cambria Math" panose="02040503050406030204" pitchFamily="18" charset="0"/>
                 </a:endParaRPr>
               </a:p>
               <a:p>
@@ -5725,45 +7341,799 @@
                         </m:r>
                       </m:sub>
                     </m:sSub>
+                    <m:r>
+                      <a:rPr lang="en-US" b="0" i="1" smtClean="0">
+                        <a:latin typeface="Cambria Math" panose="02040503050406030204" pitchFamily="18" charset="0"/>
+                      </a:rPr>
+                      <m:t>+=</m:t>
+                    </m:r>
+                    <m:r>
+                      <a:rPr lang="en-US" b="0" i="1" smtClean="0">
+                        <a:latin typeface="Cambria Math" panose="02040503050406030204" pitchFamily="18" charset="0"/>
+                        <a:ea typeface="Cambria Math" panose="02040503050406030204" pitchFamily="18" charset="0"/>
+                      </a:rPr>
+                      <m:t>𝜕</m:t>
+                    </m:r>
+                    <m:sSub>
+                      <m:sSubPr>
+                        <m:ctrlPr>
+                          <a:rPr lang="en-US" b="0" i="1" smtClean="0">
+                            <a:latin typeface="Cambria Math" panose="02040503050406030204" pitchFamily="18" charset="0"/>
+                            <a:ea typeface="Cambria Math" panose="02040503050406030204" pitchFamily="18" charset="0"/>
+                          </a:rPr>
+                        </m:ctrlPr>
+                      </m:sSubPr>
+                      <m:e>
+                        <m:r>
+                          <a:rPr lang="en-US" b="0" i="1" smtClean="0">
+                            <a:latin typeface="Cambria Math" panose="02040503050406030204" pitchFamily="18" charset="0"/>
+                            <a:ea typeface="Cambria Math" panose="02040503050406030204" pitchFamily="18" charset="0"/>
+                          </a:rPr>
+                          <m:t>𝑞</m:t>
+                        </m:r>
+                      </m:e>
+                      <m:sub>
+                        <m:r>
+                          <a:rPr lang="en-US" b="0" i="1" smtClean="0">
+                            <a:latin typeface="Cambria Math" panose="02040503050406030204" pitchFamily="18" charset="0"/>
+                            <a:ea typeface="Cambria Math" panose="02040503050406030204" pitchFamily="18" charset="0"/>
+                          </a:rPr>
+                          <m:t>𝑎𝑙𝑙</m:t>
+                        </m:r>
+                      </m:sub>
+                    </m:sSub>
                   </m:oMath>
                 </a14:m>
+                <a:endParaRPr lang="en-US" dirty="0"/>
+              </a:p>
+              <a:p>
                 <a:r>
                   <a:rPr lang="en-US" dirty="0"/>
-                  <a:t>: steps</a:t>
+                  <a:t>2. </a:t>
                 </a:r>
                 <a14:m>
                   <m:oMath xmlns:m="http://schemas.openxmlformats.org/officeDocument/2006/math">
-                    <m:r>
-                      <a:rPr lang="en-US" i="1" smtClean="0">
-                        <a:latin typeface="Cambria Math" panose="02040503050406030204" pitchFamily="18" charset="0"/>
-                        <a:ea typeface="Cambria Math" panose="02040503050406030204" pitchFamily="18" charset="0"/>
-                      </a:rPr>
-                      <m:t>×</m:t>
-                    </m:r>
+                    <m:func>
+                      <m:funcPr>
+                        <m:ctrlPr>
+                          <a:rPr lang="en-US" i="1" smtClean="0">
+                            <a:latin typeface="Cambria Math" panose="02040503050406030204" pitchFamily="18" charset="0"/>
+                          </a:rPr>
+                        </m:ctrlPr>
+                      </m:funcPr>
+                      <m:fName>
+                        <m:limLow>
+                          <m:limLowPr>
+                            <m:ctrlPr>
+                              <a:rPr lang="en-US" i="1">
+                                <a:latin typeface="Cambria Math" panose="02040503050406030204" pitchFamily="18" charset="0"/>
+                              </a:rPr>
+                            </m:ctrlPr>
+                          </m:limLowPr>
+                          <m:e>
+                            <m:r>
+                              <m:rPr>
+                                <m:sty m:val="p"/>
+                              </m:rPr>
+                              <a:rPr lang="en-US">
+                                <a:latin typeface="Cambria Math" panose="02040503050406030204" pitchFamily="18" charset="0"/>
+                              </a:rPr>
+                              <m:t>min</m:t>
+                            </m:r>
+                          </m:e>
+                          <m:lim>
+                            <m:sSub>
+                              <m:sSubPr>
+                                <m:ctrlPr>
+                                  <a:rPr lang="en-US" b="0" i="1" smtClean="0">
+                                    <a:latin typeface="Cambria Math" panose="02040503050406030204" pitchFamily="18" charset="0"/>
+                                  </a:rPr>
+                                </m:ctrlPr>
+                              </m:sSubPr>
+                              <m:e>
+                                <m:acc>
+                                  <m:accPr>
+                                    <m:chr m:val="̇"/>
+                                    <m:ctrlPr>
+                                      <a:rPr lang="en-US" b="0" i="1" smtClean="0">
+                                        <a:latin typeface="Cambria Math" panose="02040503050406030204" pitchFamily="18" charset="0"/>
+                                      </a:rPr>
+                                    </m:ctrlPr>
+                                  </m:accPr>
+                                  <m:e>
+                                    <m:r>
+                                      <a:rPr lang="en-US" b="0" i="1" smtClean="0">
+                                        <a:latin typeface="Cambria Math" panose="02040503050406030204" pitchFamily="18" charset="0"/>
+                                      </a:rPr>
+                                      <m:t>𝑞</m:t>
+                                    </m:r>
+                                  </m:e>
+                                </m:acc>
+                              </m:e>
+                              <m:sub>
+                                <m:r>
+                                  <a:rPr lang="en-US" b="0" i="1" smtClean="0">
+                                    <a:latin typeface="Cambria Math" panose="02040503050406030204" pitchFamily="18" charset="0"/>
+                                  </a:rPr>
+                                  <m:t>𝑟𝑒𝑚</m:t>
+                                </m:r>
+                              </m:sub>
+                            </m:sSub>
+                          </m:lim>
+                        </m:limLow>
+                      </m:fName>
+                      <m:e>
+                        <m:sSup>
+                          <m:sSupPr>
+                            <m:ctrlPr>
+                              <a:rPr lang="en-US" b="0" i="1" smtClean="0">
+                                <a:latin typeface="Cambria Math" panose="02040503050406030204" pitchFamily="18" charset="0"/>
+                                <a:ea typeface="Cambria Math" panose="02040503050406030204" pitchFamily="18" charset="0"/>
+                              </a:rPr>
+                            </m:ctrlPr>
+                          </m:sSupPr>
+                          <m:e>
+                            <m:d>
+                              <m:dPr>
+                                <m:begChr m:val="|"/>
+                                <m:endChr m:val="|"/>
+                                <m:ctrlPr>
+                                  <a:rPr lang="en-US" b="0" i="1" smtClean="0">
+                                    <a:latin typeface="Cambria Math" panose="02040503050406030204" pitchFamily="18" charset="0"/>
+                                  </a:rPr>
+                                </m:ctrlPr>
+                              </m:dPr>
+                              <m:e>
+                                <m:d>
+                                  <m:dPr>
+                                    <m:begChr m:val="|"/>
+                                    <m:endChr m:val="|"/>
+                                    <m:ctrlPr>
+                                      <a:rPr lang="en-US" b="0" i="1" smtClean="0">
+                                        <a:latin typeface="Cambria Math" panose="02040503050406030204" pitchFamily="18" charset="0"/>
+                                      </a:rPr>
+                                    </m:ctrlPr>
+                                  </m:dPr>
+                                  <m:e>
+                                    <m:sSub>
+                                      <m:sSubPr>
+                                        <m:ctrlPr>
+                                          <a:rPr lang="en-US" b="0" i="1" smtClean="0">
+                                            <a:latin typeface="Cambria Math" panose="02040503050406030204" pitchFamily="18" charset="0"/>
+                                          </a:rPr>
+                                        </m:ctrlPr>
+                                      </m:sSubPr>
+                                      <m:e>
+                                        <m:r>
+                                          <a:rPr lang="en-US" b="0" i="1" smtClean="0">
+                                            <a:latin typeface="Cambria Math" panose="02040503050406030204" pitchFamily="18" charset="0"/>
+                                          </a:rPr>
+                                          <m:t>𝐽</m:t>
+                                        </m:r>
+                                      </m:e>
+                                      <m:sub>
+                                        <m:r>
+                                          <a:rPr lang="en-US" b="0" i="1" smtClean="0">
+                                            <a:latin typeface="Cambria Math" panose="02040503050406030204" pitchFamily="18" charset="0"/>
+                                          </a:rPr>
+                                          <m:t>𝑝</m:t>
+                                        </m:r>
+                                      </m:sub>
+                                    </m:sSub>
+                                    <m:r>
+                                      <a:rPr lang="en-US" b="0" i="1" smtClean="0">
+                                        <a:latin typeface="Cambria Math" panose="02040503050406030204" pitchFamily="18" charset="0"/>
+                                      </a:rPr>
+                                      <m:t>(</m:t>
+                                    </m:r>
+                                    <m:sSub>
+                                      <m:sSubPr>
+                                        <m:ctrlPr>
+                                          <a:rPr lang="en-US" b="0" i="1" smtClean="0">
+                                            <a:latin typeface="Cambria Math" panose="02040503050406030204" pitchFamily="18" charset="0"/>
+                                          </a:rPr>
+                                        </m:ctrlPr>
+                                      </m:sSubPr>
+                                      <m:e>
+                                        <m:sSub>
+                                          <m:sSubPr>
+                                            <m:ctrlPr>
+                                              <a:rPr lang="en-US" b="0" i="1" smtClean="0">
+                                                <a:latin typeface="Cambria Math" panose="02040503050406030204" pitchFamily="18" charset="0"/>
+                                              </a:rPr>
+                                            </m:ctrlPr>
+                                          </m:sSubPr>
+                                          <m:e>
+                                            <m:r>
+                                              <a:rPr lang="en-US" b="0" i="1" smtClean="0">
+                                                <a:latin typeface="Cambria Math" panose="02040503050406030204" pitchFamily="18" charset="0"/>
+                                              </a:rPr>
+                                              <m:t>𝑞</m:t>
+                                            </m:r>
+                                          </m:e>
+                                          <m:sub>
+                                            <m:r>
+                                              <a:rPr lang="en-US" b="0" i="1" smtClean="0">
+                                                <a:latin typeface="Cambria Math" panose="02040503050406030204" pitchFamily="18" charset="0"/>
+                                              </a:rPr>
+                                              <m:t>𝑟𝑒𝑚</m:t>
+                                            </m:r>
+                                            <m:r>
+                                              <a:rPr lang="en-US" b="0" i="1" smtClean="0">
+                                                <a:latin typeface="Cambria Math" panose="02040503050406030204" pitchFamily="18" charset="0"/>
+                                              </a:rPr>
+                                              <m:t>_</m:t>
+                                            </m:r>
+                                            <m:r>
+                                              <a:rPr lang="en-US" b="0" i="1" smtClean="0">
+                                                <a:latin typeface="Cambria Math" panose="02040503050406030204" pitchFamily="18" charset="0"/>
+                                              </a:rPr>
+                                              <m:t>𝑝𝑟𝑒𝑑</m:t>
+                                            </m:r>
+                                          </m:sub>
+                                        </m:sSub>
+                                      </m:e>
+                                      <m:sub>
+                                        <m:r>
+                                          <a:rPr lang="en-US" b="0" i="1" smtClean="0">
+                                            <a:latin typeface="Cambria Math" panose="02040503050406030204" pitchFamily="18" charset="0"/>
+                                          </a:rPr>
+                                          <m:t>𝑎𝑙𝑙</m:t>
+                                        </m:r>
+                                      </m:sub>
+                                    </m:sSub>
+                                    <m:r>
+                                      <a:rPr lang="en-US" b="0" i="1" smtClean="0">
+                                        <a:latin typeface="Cambria Math" panose="02040503050406030204" pitchFamily="18" charset="0"/>
+                                      </a:rPr>
+                                      <m:t>)∙</m:t>
+                                    </m:r>
+                                    <m:sSub>
+                                      <m:sSubPr>
+                                        <m:ctrlPr>
+                                          <a:rPr lang="en-US" b="0" i="1" smtClean="0">
+                                            <a:latin typeface="Cambria Math" panose="02040503050406030204" pitchFamily="18" charset="0"/>
+                                            <a:ea typeface="Cambria Math" panose="02040503050406030204" pitchFamily="18" charset="0"/>
+                                          </a:rPr>
+                                        </m:ctrlPr>
+                                      </m:sSubPr>
+                                      <m:e>
+                                        <m:acc>
+                                          <m:accPr>
+                                            <m:chr m:val="̇"/>
+                                            <m:ctrlPr>
+                                              <a:rPr lang="en-US" i="1">
+                                                <a:latin typeface="Cambria Math" panose="02040503050406030204" pitchFamily="18" charset="0"/>
+                                                <a:ea typeface="Cambria Math" panose="02040503050406030204" pitchFamily="18" charset="0"/>
+                                              </a:rPr>
+                                            </m:ctrlPr>
+                                          </m:accPr>
+                                          <m:e>
+                                            <m:r>
+                                              <a:rPr lang="en-US" i="1">
+                                                <a:latin typeface="Cambria Math" panose="02040503050406030204" pitchFamily="18" charset="0"/>
+                                                <a:ea typeface="Cambria Math" panose="02040503050406030204" pitchFamily="18" charset="0"/>
+                                              </a:rPr>
+                                              <m:t>𝑞</m:t>
+                                            </m:r>
+                                          </m:e>
+                                        </m:acc>
+                                      </m:e>
+                                      <m:sub>
+                                        <m:r>
+                                          <a:rPr lang="en-US" b="0" i="1" smtClean="0">
+                                            <a:latin typeface="Cambria Math" panose="02040503050406030204" pitchFamily="18" charset="0"/>
+                                            <a:ea typeface="Cambria Math" panose="02040503050406030204" pitchFamily="18" charset="0"/>
+                                          </a:rPr>
+                                          <m:t>𝑟𝑒𝑚</m:t>
+                                        </m:r>
+                                      </m:sub>
+                                    </m:sSub>
+                                    <m:r>
+                                      <a:rPr lang="en-US" b="0" i="1" smtClean="0">
+                                        <a:latin typeface="Cambria Math" panose="02040503050406030204" pitchFamily="18" charset="0"/>
+                                        <a:ea typeface="Cambria Math" panose="02040503050406030204" pitchFamily="18" charset="0"/>
+                                      </a:rPr>
+                                      <m:t>−</m:t>
+                                    </m:r>
+                                    <m:sSub>
+                                      <m:sSubPr>
+                                        <m:ctrlPr>
+                                          <a:rPr lang="en-US" b="0" i="1" smtClean="0">
+                                            <a:latin typeface="Cambria Math" panose="02040503050406030204" pitchFamily="18" charset="0"/>
+                                            <a:ea typeface="Cambria Math" panose="02040503050406030204" pitchFamily="18" charset="0"/>
+                                          </a:rPr>
+                                        </m:ctrlPr>
+                                      </m:sSubPr>
+                                      <m:e>
+                                        <m:r>
+                                          <a:rPr lang="en-US" b="0" i="1" smtClean="0">
+                                            <a:latin typeface="Cambria Math" panose="02040503050406030204" pitchFamily="18" charset="0"/>
+                                            <a:ea typeface="Cambria Math" panose="02040503050406030204" pitchFamily="18" charset="0"/>
+                                          </a:rPr>
+                                          <m:t>𝑒</m:t>
+                                        </m:r>
+                                      </m:e>
+                                      <m:sub>
+                                        <m:sSub>
+                                          <m:sSubPr>
+                                            <m:ctrlPr>
+                                              <a:rPr lang="en-US" b="0" i="1" smtClean="0">
+                                                <a:latin typeface="Cambria Math" panose="02040503050406030204" pitchFamily="18" charset="0"/>
+                                                <a:ea typeface="Cambria Math" panose="02040503050406030204" pitchFamily="18" charset="0"/>
+                                              </a:rPr>
+                                            </m:ctrlPr>
+                                          </m:sSubPr>
+                                          <m:e>
+                                            <m:r>
+                                              <a:rPr lang="en-US" b="0" i="1" smtClean="0">
+                                                <a:latin typeface="Cambria Math" panose="02040503050406030204" pitchFamily="18" charset="0"/>
+                                                <a:ea typeface="Cambria Math" panose="02040503050406030204" pitchFamily="18" charset="0"/>
+                                              </a:rPr>
+                                              <m:t>𝑝</m:t>
+                                            </m:r>
+                                          </m:e>
+                                          <m:sub>
+                                            <m:r>
+                                              <a:rPr lang="en-US" b="0" i="1" smtClean="0">
+                                                <a:latin typeface="Cambria Math" panose="02040503050406030204" pitchFamily="18" charset="0"/>
+                                                <a:ea typeface="Cambria Math" panose="02040503050406030204" pitchFamily="18" charset="0"/>
+                                              </a:rPr>
+                                              <m:t>𝑟𝑒𝑚</m:t>
+                                            </m:r>
+                                          </m:sub>
+                                        </m:sSub>
+                                      </m:sub>
+                                    </m:sSub>
+                                  </m:e>
+                                </m:d>
+                              </m:e>
+                            </m:d>
+                          </m:e>
+                          <m:sup>
+                            <m:r>
+                              <a:rPr lang="en-US" b="0" i="1" smtClean="0">
+                                <a:latin typeface="Cambria Math" panose="02040503050406030204" pitchFamily="18" charset="0"/>
+                                <a:ea typeface="Cambria Math" panose="02040503050406030204" pitchFamily="18" charset="0"/>
+                              </a:rPr>
+                              <m:t>2</m:t>
+                            </m:r>
+                          </m:sup>
+                        </m:sSup>
+                        <m:r>
+                          <a:rPr lang="en-US" b="0" i="1" smtClean="0">
+                            <a:latin typeface="Cambria Math" panose="02040503050406030204" pitchFamily="18" charset="0"/>
+                            <a:ea typeface="Cambria Math" panose="02040503050406030204" pitchFamily="18" charset="0"/>
+                          </a:rPr>
+                          <m:t>+</m:t>
+                        </m:r>
+                        <m:sSup>
+                          <m:sSupPr>
+                            <m:ctrlPr>
+                              <a:rPr lang="en-US" b="0" i="1" smtClean="0">
+                                <a:latin typeface="Cambria Math" panose="02040503050406030204" pitchFamily="18" charset="0"/>
+                                <a:ea typeface="Cambria Math" panose="02040503050406030204" pitchFamily="18" charset="0"/>
+                              </a:rPr>
+                            </m:ctrlPr>
+                          </m:sSupPr>
+                          <m:e>
+                            <m:r>
+                              <a:rPr lang="en-US" b="0" i="1" smtClean="0">
+                                <a:latin typeface="Cambria Math" panose="02040503050406030204" pitchFamily="18" charset="0"/>
+                                <a:ea typeface="Cambria Math" panose="02040503050406030204" pitchFamily="18" charset="0"/>
+                              </a:rPr>
+                              <m:t>𝑤</m:t>
+                            </m:r>
+                            <m:d>
+                              <m:dPr>
+                                <m:begChr m:val="|"/>
+                                <m:endChr m:val="|"/>
+                                <m:ctrlPr>
+                                  <a:rPr lang="en-US" b="0" i="1" smtClean="0">
+                                    <a:latin typeface="Cambria Math" panose="02040503050406030204" pitchFamily="18" charset="0"/>
+                                    <a:ea typeface="Cambria Math" panose="02040503050406030204" pitchFamily="18" charset="0"/>
+                                  </a:rPr>
+                                </m:ctrlPr>
+                              </m:dPr>
+                              <m:e>
+                                <m:d>
+                                  <m:dPr>
+                                    <m:begChr m:val="|"/>
+                                    <m:endChr m:val="|"/>
+                                    <m:ctrlPr>
+                                      <a:rPr lang="en-US" b="0" i="1" smtClean="0">
+                                        <a:latin typeface="Cambria Math" panose="02040503050406030204" pitchFamily="18" charset="0"/>
+                                        <a:ea typeface="Cambria Math" panose="02040503050406030204" pitchFamily="18" charset="0"/>
+                                      </a:rPr>
+                                    </m:ctrlPr>
+                                  </m:dPr>
+                                  <m:e>
+                                    <m:sSub>
+                                      <m:sSubPr>
+                                        <m:ctrlPr>
+                                          <a:rPr lang="en-US" b="0" i="1" smtClean="0">
+                                            <a:latin typeface="Cambria Math" panose="02040503050406030204" pitchFamily="18" charset="0"/>
+                                            <a:ea typeface="Cambria Math" panose="02040503050406030204" pitchFamily="18" charset="0"/>
+                                          </a:rPr>
+                                        </m:ctrlPr>
+                                      </m:sSubPr>
+                                      <m:e>
+                                        <m:r>
+                                          <a:rPr lang="en-US" b="0" i="1" smtClean="0">
+                                            <a:latin typeface="Cambria Math" panose="02040503050406030204" pitchFamily="18" charset="0"/>
+                                            <a:ea typeface="Cambria Math" panose="02040503050406030204" pitchFamily="18" charset="0"/>
+                                          </a:rPr>
+                                          <m:t>𝐽</m:t>
+                                        </m:r>
+                                      </m:e>
+                                      <m:sub>
+                                        <m:r>
+                                          <a:rPr lang="en-US" b="0" i="1" smtClean="0">
+                                            <a:latin typeface="Cambria Math" panose="02040503050406030204" pitchFamily="18" charset="0"/>
+                                            <a:ea typeface="Cambria Math" panose="02040503050406030204" pitchFamily="18" charset="0"/>
+                                          </a:rPr>
+                                          <m:t>𝑅</m:t>
+                                        </m:r>
+                                      </m:sub>
+                                    </m:sSub>
+                                    <m:r>
+                                      <a:rPr lang="en-US" b="0" i="1" smtClean="0">
+                                        <a:latin typeface="Cambria Math" panose="02040503050406030204" pitchFamily="18" charset="0"/>
+                                        <a:ea typeface="Cambria Math" panose="02040503050406030204" pitchFamily="18" charset="0"/>
+                                      </a:rPr>
+                                      <m:t>(</m:t>
+                                    </m:r>
+                                    <m:sSub>
+                                      <m:sSubPr>
+                                        <m:ctrlPr>
+                                          <a:rPr lang="en-US" i="1">
+                                            <a:latin typeface="Cambria Math" panose="02040503050406030204" pitchFamily="18" charset="0"/>
+                                          </a:rPr>
+                                        </m:ctrlPr>
+                                      </m:sSubPr>
+                                      <m:e>
+                                        <m:sSub>
+                                          <m:sSubPr>
+                                            <m:ctrlPr>
+                                              <a:rPr lang="en-US" i="1">
+                                                <a:latin typeface="Cambria Math" panose="02040503050406030204" pitchFamily="18" charset="0"/>
+                                              </a:rPr>
+                                            </m:ctrlPr>
+                                          </m:sSubPr>
+                                          <m:e>
+                                            <m:r>
+                                              <a:rPr lang="en-US" i="1">
+                                                <a:latin typeface="Cambria Math" panose="02040503050406030204" pitchFamily="18" charset="0"/>
+                                              </a:rPr>
+                                              <m:t>𝑞</m:t>
+                                            </m:r>
+                                          </m:e>
+                                          <m:sub>
+                                            <m:r>
+                                              <a:rPr lang="en-US" i="1">
+                                                <a:latin typeface="Cambria Math" panose="02040503050406030204" pitchFamily="18" charset="0"/>
+                                              </a:rPr>
+                                              <m:t>𝑟𝑒</m:t>
+                                            </m:r>
+                                            <m:sSub>
+                                              <m:sSubPr>
+                                                <m:ctrlPr>
+                                                  <a:rPr lang="en-US" i="1">
+                                                    <a:latin typeface="Cambria Math" panose="02040503050406030204" pitchFamily="18" charset="0"/>
+                                                  </a:rPr>
+                                                </m:ctrlPr>
+                                              </m:sSubPr>
+                                              <m:e>
+                                                <m:r>
+                                                  <a:rPr lang="en-US" i="1">
+                                                    <a:latin typeface="Cambria Math" panose="02040503050406030204" pitchFamily="18" charset="0"/>
+                                                  </a:rPr>
+                                                  <m:t>𝑚</m:t>
+                                                </m:r>
+                                              </m:e>
+                                              <m:sub>
+                                                <m:r>
+                                                  <a:rPr lang="en-US" i="1">
+                                                    <a:latin typeface="Cambria Math" panose="02040503050406030204" pitchFamily="18" charset="0"/>
+                                                  </a:rPr>
+                                                  <m:t>𝑝𝑟𝑒𝑑</m:t>
+                                                </m:r>
+                                              </m:sub>
+                                            </m:sSub>
+                                          </m:sub>
+                                        </m:sSub>
+                                      </m:e>
+                                      <m:sub>
+                                        <m:r>
+                                          <a:rPr lang="en-US" i="1">
+                                            <a:latin typeface="Cambria Math" panose="02040503050406030204" pitchFamily="18" charset="0"/>
+                                          </a:rPr>
+                                          <m:t>𝑎𝑙𝑙</m:t>
+                                        </m:r>
+                                      </m:sub>
+                                    </m:sSub>
+                                    <m:r>
+                                      <a:rPr lang="en-US" b="0" i="1" smtClean="0">
+                                        <a:latin typeface="Cambria Math" panose="02040503050406030204" pitchFamily="18" charset="0"/>
+                                        <a:ea typeface="Cambria Math" panose="02040503050406030204" pitchFamily="18" charset="0"/>
+                                      </a:rPr>
+                                      <m:t>)∙</m:t>
+                                    </m:r>
+                                    <m:sSub>
+                                      <m:sSubPr>
+                                        <m:ctrlPr>
+                                          <a:rPr lang="en-US" b="0" i="1" smtClean="0">
+                                            <a:latin typeface="Cambria Math" panose="02040503050406030204" pitchFamily="18" charset="0"/>
+                                            <a:ea typeface="Cambria Math" panose="02040503050406030204" pitchFamily="18" charset="0"/>
+                                          </a:rPr>
+                                        </m:ctrlPr>
+                                      </m:sSubPr>
+                                      <m:e>
+                                        <m:acc>
+                                          <m:accPr>
+                                            <m:chr m:val="̇"/>
+                                            <m:ctrlPr>
+                                              <a:rPr lang="en-US" i="1">
+                                                <a:latin typeface="Cambria Math" panose="02040503050406030204" pitchFamily="18" charset="0"/>
+                                                <a:ea typeface="Cambria Math" panose="02040503050406030204" pitchFamily="18" charset="0"/>
+                                              </a:rPr>
+                                            </m:ctrlPr>
+                                          </m:accPr>
+                                          <m:e>
+                                            <m:r>
+                                              <a:rPr lang="en-US" i="1">
+                                                <a:latin typeface="Cambria Math" panose="02040503050406030204" pitchFamily="18" charset="0"/>
+                                                <a:ea typeface="Cambria Math" panose="02040503050406030204" pitchFamily="18" charset="0"/>
+                                              </a:rPr>
+                                              <m:t>𝑞</m:t>
+                                            </m:r>
+                                          </m:e>
+                                        </m:acc>
+                                      </m:e>
+                                      <m:sub>
+                                        <m:r>
+                                          <a:rPr lang="en-US" b="0" i="1" smtClean="0">
+                                            <a:latin typeface="Cambria Math" panose="02040503050406030204" pitchFamily="18" charset="0"/>
+                                            <a:ea typeface="Cambria Math" panose="02040503050406030204" pitchFamily="18" charset="0"/>
+                                          </a:rPr>
+                                          <m:t>𝑟𝑒𝑚</m:t>
+                                        </m:r>
+                                      </m:sub>
+                                    </m:sSub>
+                                    <m:r>
+                                      <a:rPr lang="en-US" b="0" i="1" smtClean="0">
+                                        <a:latin typeface="Cambria Math" panose="02040503050406030204" pitchFamily="18" charset="0"/>
+                                        <a:ea typeface="Cambria Math" panose="02040503050406030204" pitchFamily="18" charset="0"/>
+                                      </a:rPr>
+                                      <m:t>−</m:t>
+                                    </m:r>
+                                    <m:sSub>
+                                      <m:sSubPr>
+                                        <m:ctrlPr>
+                                          <a:rPr lang="en-US" b="0" i="1" smtClean="0">
+                                            <a:latin typeface="Cambria Math" panose="02040503050406030204" pitchFamily="18" charset="0"/>
+                                            <a:ea typeface="Cambria Math" panose="02040503050406030204" pitchFamily="18" charset="0"/>
+                                          </a:rPr>
+                                        </m:ctrlPr>
+                                      </m:sSubPr>
+                                      <m:e>
+                                        <m:r>
+                                          <a:rPr lang="en-US" b="0" i="1" smtClean="0">
+                                            <a:latin typeface="Cambria Math" panose="02040503050406030204" pitchFamily="18" charset="0"/>
+                                            <a:ea typeface="Cambria Math" panose="02040503050406030204" pitchFamily="18" charset="0"/>
+                                          </a:rPr>
+                                          <m:t>𝑒</m:t>
+                                        </m:r>
+                                      </m:e>
+                                      <m:sub>
+                                        <m:sSub>
+                                          <m:sSubPr>
+                                            <m:ctrlPr>
+                                              <a:rPr lang="en-US" b="0" i="1" smtClean="0">
+                                                <a:latin typeface="Cambria Math" panose="02040503050406030204" pitchFamily="18" charset="0"/>
+                                                <a:ea typeface="Cambria Math" panose="02040503050406030204" pitchFamily="18" charset="0"/>
+                                              </a:rPr>
+                                            </m:ctrlPr>
+                                          </m:sSubPr>
+                                          <m:e>
+                                            <m:r>
+                                              <a:rPr lang="en-US" b="0" i="1" smtClean="0">
+                                                <a:latin typeface="Cambria Math" panose="02040503050406030204" pitchFamily="18" charset="0"/>
+                                                <a:ea typeface="Cambria Math" panose="02040503050406030204" pitchFamily="18" charset="0"/>
+                                              </a:rPr>
+                                              <m:t>𝑅</m:t>
+                                            </m:r>
+                                          </m:e>
+                                          <m:sub>
+                                            <m:r>
+                                              <a:rPr lang="en-US" b="0" i="1" smtClean="0">
+                                                <a:latin typeface="Cambria Math" panose="02040503050406030204" pitchFamily="18" charset="0"/>
+                                                <a:ea typeface="Cambria Math" panose="02040503050406030204" pitchFamily="18" charset="0"/>
+                                              </a:rPr>
+                                              <m:t>𝑟𝑒𝑚</m:t>
+                                            </m:r>
+                                          </m:sub>
+                                        </m:sSub>
+                                      </m:sub>
+                                    </m:sSub>
+                                  </m:e>
+                                </m:d>
+                              </m:e>
+                            </m:d>
+                          </m:e>
+                          <m:sup>
+                            <m:r>
+                              <a:rPr lang="en-US" b="0" i="1" smtClean="0">
+                                <a:latin typeface="Cambria Math" panose="02040503050406030204" pitchFamily="18" charset="0"/>
+                                <a:ea typeface="Cambria Math" panose="02040503050406030204" pitchFamily="18" charset="0"/>
+                              </a:rPr>
+                              <m:t>2</m:t>
+                            </m:r>
+                          </m:sup>
+                        </m:sSup>
+                        <m:r>
+                          <a:rPr lang="en-US" b="0" i="1" smtClean="0">
+                            <a:latin typeface="Cambria Math" panose="02040503050406030204" pitchFamily="18" charset="0"/>
+                            <a:ea typeface="Cambria Math" panose="02040503050406030204" pitchFamily="18" charset="0"/>
+                          </a:rPr>
+                          <m:t>+</m:t>
+                        </m:r>
+                        <m:sSub>
+                          <m:sSubPr>
+                            <m:ctrlPr>
+                              <a:rPr lang="en-US" b="0" i="1" smtClean="0">
+                                <a:latin typeface="Cambria Math" panose="02040503050406030204" pitchFamily="18" charset="0"/>
+                                <a:ea typeface="Cambria Math" panose="02040503050406030204" pitchFamily="18" charset="0"/>
+                              </a:rPr>
+                            </m:ctrlPr>
+                          </m:sSubPr>
+                          <m:e>
+                            <m:r>
+                              <a:rPr lang="en-US" b="0" i="1" smtClean="0">
+                                <a:latin typeface="Cambria Math" panose="02040503050406030204" pitchFamily="18" charset="0"/>
+                                <a:ea typeface="Cambria Math" panose="02040503050406030204" pitchFamily="18" charset="0"/>
+                              </a:rPr>
+                              <m:t>𝐾</m:t>
+                            </m:r>
+                          </m:e>
+                          <m:sub>
+                            <m:r>
+                              <a:rPr lang="en-US" b="0" i="1" smtClean="0">
+                                <a:latin typeface="Cambria Math" panose="02040503050406030204" pitchFamily="18" charset="0"/>
+                                <a:ea typeface="Cambria Math" panose="02040503050406030204" pitchFamily="18" charset="0"/>
+                              </a:rPr>
+                              <m:t>𝑞</m:t>
+                            </m:r>
+                          </m:sub>
+                        </m:sSub>
+                        <m:sSup>
+                          <m:sSupPr>
+                            <m:ctrlPr>
+                              <a:rPr lang="en-US" b="0" i="1" smtClean="0">
+                                <a:solidFill>
+                                  <a:srgbClr val="FF0000"/>
+                                </a:solidFill>
+                                <a:latin typeface="Cambria Math" panose="02040503050406030204" pitchFamily="18" charset="0"/>
+                                <a:ea typeface="Cambria Math" panose="02040503050406030204" pitchFamily="18" charset="0"/>
+                              </a:rPr>
+                            </m:ctrlPr>
+                          </m:sSupPr>
+                          <m:e>
+                            <m:d>
+                              <m:dPr>
+                                <m:begChr m:val="|"/>
+                                <m:endChr m:val="|"/>
+                                <m:ctrlPr>
+                                  <a:rPr lang="en-US" b="0" i="1" smtClean="0">
+                                    <a:solidFill>
+                                      <a:srgbClr val="FF0000"/>
+                                    </a:solidFill>
+                                    <a:latin typeface="Cambria Math" panose="02040503050406030204" pitchFamily="18" charset="0"/>
+                                    <a:ea typeface="Cambria Math" panose="02040503050406030204" pitchFamily="18" charset="0"/>
+                                  </a:rPr>
+                                </m:ctrlPr>
+                              </m:dPr>
+                              <m:e>
+                                <m:d>
+                                  <m:dPr>
+                                    <m:begChr m:val="|"/>
+                                    <m:endChr m:val="|"/>
+                                    <m:ctrlPr>
+                                      <a:rPr lang="en-US" b="0" i="1" smtClean="0">
+                                        <a:solidFill>
+                                          <a:srgbClr val="FF0000"/>
+                                        </a:solidFill>
+                                        <a:latin typeface="Cambria Math" panose="02040503050406030204" pitchFamily="18" charset="0"/>
+                                        <a:ea typeface="Cambria Math" panose="02040503050406030204" pitchFamily="18" charset="0"/>
+                                      </a:rPr>
+                                    </m:ctrlPr>
+                                  </m:dPr>
+                                  <m:e>
+                                    <m:sSub>
+                                      <m:sSubPr>
+                                        <m:ctrlPr>
+                                          <a:rPr lang="en-US" b="0" i="1" smtClean="0">
+                                            <a:solidFill>
+                                              <a:srgbClr val="FF0000"/>
+                                            </a:solidFill>
+                                            <a:latin typeface="Cambria Math" panose="02040503050406030204" pitchFamily="18" charset="0"/>
+                                            <a:ea typeface="Cambria Math" panose="02040503050406030204" pitchFamily="18" charset="0"/>
+                                          </a:rPr>
+                                        </m:ctrlPr>
+                                      </m:sSubPr>
+                                      <m:e>
+                                        <m:acc>
+                                          <m:accPr>
+                                            <m:chr m:val="̇"/>
+                                            <m:ctrlPr>
+                                              <a:rPr lang="en-US" b="0" i="1" smtClean="0">
+                                                <a:solidFill>
+                                                  <a:srgbClr val="FF0000"/>
+                                                </a:solidFill>
+                                                <a:latin typeface="Cambria Math" panose="02040503050406030204" pitchFamily="18" charset="0"/>
+                                                <a:ea typeface="Cambria Math" panose="02040503050406030204" pitchFamily="18" charset="0"/>
+                                              </a:rPr>
+                                            </m:ctrlPr>
+                                          </m:accPr>
+                                          <m:e>
+                                            <m:r>
+                                              <a:rPr lang="en-US" b="0" i="1" smtClean="0">
+                                                <a:solidFill>
+                                                  <a:srgbClr val="FF0000"/>
+                                                </a:solidFill>
+                                                <a:latin typeface="Cambria Math" panose="02040503050406030204" pitchFamily="18" charset="0"/>
+                                                <a:ea typeface="Cambria Math" panose="02040503050406030204" pitchFamily="18" charset="0"/>
+                                              </a:rPr>
+                                              <m:t>𝑞</m:t>
+                                            </m:r>
+                                          </m:e>
+                                        </m:acc>
+                                      </m:e>
+                                      <m:sub>
+                                        <m:r>
+                                          <a:rPr lang="en-US" b="0" i="1" smtClean="0">
+                                            <a:solidFill>
+                                              <a:srgbClr val="FF0000"/>
+                                            </a:solidFill>
+                                            <a:latin typeface="Cambria Math" panose="02040503050406030204" pitchFamily="18" charset="0"/>
+                                            <a:ea typeface="Cambria Math" panose="02040503050406030204" pitchFamily="18" charset="0"/>
+                                          </a:rPr>
+                                          <m:t>𝑟𝑒𝑚</m:t>
+                                        </m:r>
+                                      </m:sub>
+                                    </m:sSub>
+                                  </m:e>
+                                </m:d>
+                              </m:e>
+                            </m:d>
+                          </m:e>
+                          <m:sup>
+                            <m:r>
+                              <a:rPr lang="en-US" b="0" i="1" smtClean="0">
+                                <a:solidFill>
+                                  <a:srgbClr val="FF0000"/>
+                                </a:solidFill>
+                                <a:latin typeface="Cambria Math" panose="02040503050406030204" pitchFamily="18" charset="0"/>
+                                <a:ea typeface="Cambria Math" panose="02040503050406030204" pitchFamily="18" charset="0"/>
+                              </a:rPr>
+                              <m:t>2</m:t>
+                            </m:r>
+                          </m:sup>
+                        </m:sSup>
+                      </m:e>
+                    </m:func>
                   </m:oMath>
                 </a14:m>
-                <a:r>
-                  <a:rPr lang="en-US" dirty="0"/>
-                  <a:t>6</a:t>
-                </a:r>
-                <a14:m>
-                  <m:oMath xmlns:m="http://schemas.openxmlformats.org/officeDocument/2006/math">
-                    <m:r>
-                      <a:rPr lang="en-US" i="1">
-                        <a:latin typeface="Cambria Math" panose="02040503050406030204" pitchFamily="18" charset="0"/>
-                        <a:ea typeface="Cambria Math" panose="02040503050406030204" pitchFamily="18" charset="0"/>
-                      </a:rPr>
-                      <m:t>×</m:t>
-                    </m:r>
-                  </m:oMath>
-                </a14:m>
-                <a:r>
-                  <a:rPr lang="en-US" dirty="0"/>
-                  <a:t>2 flattened vector</a:t>
-                </a:r>
+                <a:endParaRPr lang="en-US" b="0" dirty="0">
+                  <a:ea typeface="Cambria Math" panose="02040503050406030204" pitchFamily="18" charset="0"/>
+                </a:endParaRPr>
               </a:p>
               <a:p>
                 <a:pPr lvl="2"/>
+                <a:r>
+                  <a:rPr lang="en-US" dirty="0"/>
+                  <a:t>Execute </a:t>
+                </a:r>
                 <a14:m>
                   <m:oMath xmlns:m="http://schemas.openxmlformats.org/officeDocument/2006/math">
                     <m:sSub>
@@ -5789,7 +8159,7 @@
                               <a:rPr lang="en-US" b="0" i="1" smtClean="0">
                                 <a:latin typeface="Cambria Math" panose="02040503050406030204" pitchFamily="18" charset="0"/>
                               </a:rPr>
-                              <m:t>𝜆</m:t>
+                              <m:t>𝑞</m:t>
                             </m:r>
                           </m:e>
                         </m:acc>
@@ -5799,70 +8169,26 @@
                           <a:rPr lang="en-US" b="0" i="1" smtClean="0">
                             <a:latin typeface="Cambria Math" panose="02040503050406030204" pitchFamily="18" charset="0"/>
                           </a:rPr>
-                          <m:t>𝑚𝑎𝑥</m:t>
+                          <m:t>𝑟𝑒𝑚</m:t>
                         </m:r>
                       </m:sub>
                     </m:sSub>
-                  </m:oMath>
-                </a14:m>
-                <a:r>
-                  <a:rPr lang="en-US" dirty="0"/>
-                  <a:t>: steps</a:t>
-                </a:r>
-                <a14:m>
-                  <m:oMath xmlns:m="http://schemas.openxmlformats.org/officeDocument/2006/math">
                     <m:r>
-                      <a:rPr lang="en-US" i="1">
+                      <a:rPr lang="en-US" b="0" i="0" smtClean="0">
                         <a:latin typeface="Cambria Math" panose="02040503050406030204" pitchFamily="18" charset="0"/>
-                        <a:ea typeface="Cambria Math" panose="02040503050406030204" pitchFamily="18" charset="0"/>
                       </a:rPr>
-                      <m:t>×</m:t>
+                      <m:t>[0]</m:t>
                     </m:r>
-                  </m:oMath>
-                </a14:m>
-                <a:r>
-                  <a:rPr lang="en-US" dirty="0"/>
-                  <a:t>1 vector, calculated given </a:t>
-                </a:r>
-                <a14:m>
-                  <m:oMath xmlns:m="http://schemas.openxmlformats.org/officeDocument/2006/math">
-                    <m:sSub>
-                      <m:sSubPr>
-                        <m:ctrlPr>
-                          <a:rPr lang="en-US" i="1">
-                            <a:latin typeface="Cambria Math" panose="02040503050406030204" pitchFamily="18" charset="0"/>
-                          </a:rPr>
-                        </m:ctrlPr>
-                      </m:sSubPr>
-                      <m:e>
-                        <m:r>
-                          <a:rPr lang="en-US" i="1">
-                            <a:latin typeface="Cambria Math" panose="02040503050406030204" pitchFamily="18" charset="0"/>
-                          </a:rPr>
-                          <m:t>𝑞</m:t>
-                        </m:r>
-                      </m:e>
-                      <m:sub>
-                        <m:r>
-                          <a:rPr lang="en-US" i="1">
-                            <a:latin typeface="Cambria Math" panose="02040503050406030204" pitchFamily="18" charset="0"/>
-                          </a:rPr>
-                          <m:t>𝑎𝑙𝑙</m:t>
-                        </m:r>
-                      </m:sub>
-                    </m:sSub>
                   </m:oMath>
                 </a14:m>
                 <a:endParaRPr lang="en-US" dirty="0"/>
               </a:p>
               <a:p>
+                <a:pPr lvl="2"/>
                 <a:r>
                   <a:rPr lang="en-US" dirty="0"/>
-                  <a:t>Bounds</a:t>
+                  <a:t>Update </a:t>
                 </a:r>
-              </a:p>
-              <a:p>
-                <a:pPr lvl="2"/>
                 <a14:m>
                   <m:oMath xmlns:m="http://schemas.openxmlformats.org/officeDocument/2006/math">
                     <m:sSub>
@@ -5873,144 +8199,6 @@
                           </a:rPr>
                         </m:ctrlPr>
                       </m:sSubPr>
-                      <m:e>
-                        <m:r>
-                          <a:rPr lang="en-US" b="0" i="1" smtClean="0">
-                            <a:latin typeface="Cambria Math" panose="02040503050406030204" pitchFamily="18" charset="0"/>
-                          </a:rPr>
-                          <m:t>𝑞</m:t>
-                        </m:r>
-                      </m:e>
-                      <m:sub>
-                        <m:r>
-                          <a:rPr lang="en-US" b="0" i="1" smtClean="0">
-                            <a:latin typeface="Cambria Math" panose="02040503050406030204" pitchFamily="18" charset="0"/>
-                          </a:rPr>
-                          <m:t>𝑎𝑙𝑙</m:t>
-                        </m:r>
-                      </m:sub>
-                    </m:sSub>
-                  </m:oMath>
-                </a14:m>
-                <a:r>
-                  <a:rPr lang="en-US" dirty="0"/>
-                  <a:t>: bounded by joint limits</a:t>
-                </a:r>
-              </a:p>
-              <a:p>
-                <a:r>
-                  <a:rPr lang="en-US" dirty="0"/>
-                  <a:t>Constraints</a:t>
-                </a:r>
-              </a:p>
-              <a:p>
-                <a:pPr lvl="2"/>
-                <a14:m>
-                  <m:oMath xmlns:m="http://schemas.openxmlformats.org/officeDocument/2006/math">
-                    <m:r>
-                      <a:rPr lang="en-US" b="0" i="1" smtClean="0">
-                        <a:latin typeface="Cambria Math" panose="02040503050406030204" pitchFamily="18" charset="0"/>
-                      </a:rPr>
-                      <m:t>𝐻</m:t>
-                    </m:r>
-                    <m:r>
-                      <a:rPr lang="en-US" b="0" i="1" smtClean="0">
-                        <a:latin typeface="Cambria Math" panose="02040503050406030204" pitchFamily="18" charset="0"/>
-                      </a:rPr>
-                      <m:t>(</m:t>
-                    </m:r>
-                    <m:r>
-                      <a:rPr lang="en-US" i="1">
-                        <a:latin typeface="Cambria Math" panose="02040503050406030204" pitchFamily="18" charset="0"/>
-                      </a:rPr>
-                      <m:t>𝑓𝑤𝑑</m:t>
-                    </m:r>
-                    <m:d>
-                      <m:dPr>
-                        <m:ctrlPr>
-                          <a:rPr lang="en-US" i="1">
-                            <a:latin typeface="Cambria Math" panose="02040503050406030204" pitchFamily="18" charset="0"/>
-                          </a:rPr>
-                        </m:ctrlPr>
-                      </m:dPr>
-                      <m:e>
-                        <m:sSub>
-                          <m:sSubPr>
-                            <m:ctrlPr>
-                              <a:rPr lang="en-US" i="1">
-                                <a:latin typeface="Cambria Math" panose="02040503050406030204" pitchFamily="18" charset="0"/>
-                              </a:rPr>
-                            </m:ctrlPr>
-                          </m:sSubPr>
-                          <m:e>
-                            <m:r>
-                              <a:rPr lang="en-US" i="1">
-                                <a:latin typeface="Cambria Math" panose="02040503050406030204" pitchFamily="18" charset="0"/>
-                              </a:rPr>
-                              <m:t>𝑞</m:t>
-                            </m:r>
-                          </m:e>
-                          <m:sub>
-                            <m:r>
-                              <a:rPr lang="en-US" b="0" i="1" smtClean="0">
-                                <a:latin typeface="Cambria Math" panose="02040503050406030204" pitchFamily="18" charset="0"/>
-                              </a:rPr>
-                              <m:t>2</m:t>
-                            </m:r>
-                            <m:r>
-                              <a:rPr lang="en-US" i="1">
-                                <a:latin typeface="Cambria Math" panose="02040503050406030204" pitchFamily="18" charset="0"/>
-                              </a:rPr>
-                              <m:t>𝑎𝑙𝑙</m:t>
-                            </m:r>
-                          </m:sub>
-                        </m:sSub>
-                      </m:e>
-                    </m:d>
-                    <m:r>
-                      <a:rPr lang="en-US" i="1">
-                        <a:latin typeface="Cambria Math" panose="02040503050406030204" pitchFamily="18" charset="0"/>
-                      </a:rPr>
-                      <m:t>.</m:t>
-                    </m:r>
-                    <m:r>
-                      <a:rPr lang="en-US" i="1">
-                        <a:latin typeface="Cambria Math" panose="02040503050406030204" pitchFamily="18" charset="0"/>
-                      </a:rPr>
-                      <m:t>𝑝</m:t>
-                    </m:r>
-                    <m:r>
-                      <a:rPr lang="en-US" b="0" i="1" smtClean="0">
-                        <a:latin typeface="Cambria Math" panose="02040503050406030204" pitchFamily="18" charset="0"/>
-                      </a:rPr>
-                      <m:t>)</m:t>
-                    </m:r>
-                    <m:r>
-                      <a:rPr lang="en-US" i="1">
-                        <a:latin typeface="Cambria Math" panose="02040503050406030204" pitchFamily="18" charset="0"/>
-                      </a:rPr>
-                      <m:t> </m:t>
-                    </m:r>
-                    <m:r>
-                      <a:rPr lang="en-US" b="0" i="1" smtClean="0">
-                        <a:latin typeface="Cambria Math" panose="02040503050406030204" pitchFamily="18" charset="0"/>
-                      </a:rPr>
-                      <m:t>−</m:t>
-                    </m:r>
-                    <m:r>
-                      <a:rPr lang="en-US" b="0" i="1" smtClean="0">
-                        <a:latin typeface="Cambria Math" panose="02040503050406030204" pitchFamily="18" charset="0"/>
-                      </a:rPr>
-                      <m:t>𝑓𝑤𝑑</m:t>
-                    </m:r>
-                    <m:d>
-                      <m:dPr>
-                        <m:ctrlPr>
-                          <a:rPr lang="en-US" b="0" i="1" smtClean="0">
-                            <a:latin typeface="Cambria Math" panose="02040503050406030204" pitchFamily="18" charset="0"/>
-                          </a:rPr>
-                        </m:ctrlPr>
-                      </m:dPr>
                       <m:e>
                         <m:sSub>
                           <m:sSubPr>
@@ -6033,343 +8221,32 @@
                               <a:rPr lang="en-US" b="0" i="1" smtClean="0">
                                 <a:latin typeface="Cambria Math" panose="02040503050406030204" pitchFamily="18" charset="0"/>
                               </a:rPr>
-                              <m:t>1</m:t>
+                              <m:t>𝑟𝑒𝑚</m:t>
                             </m:r>
                             <m:r>
                               <a:rPr lang="en-US" b="0" i="1" smtClean="0">
                                 <a:latin typeface="Cambria Math" panose="02040503050406030204" pitchFamily="18" charset="0"/>
                               </a:rPr>
-                              <m:t>𝑎𝑙𝑙</m:t>
-                            </m:r>
-                          </m:sub>
-                        </m:sSub>
-                      </m:e>
-                    </m:d>
-                    <m:r>
-                      <a:rPr lang="en-US" b="0" i="1" smtClean="0">
-                        <a:latin typeface="Cambria Math" panose="02040503050406030204" pitchFamily="18" charset="0"/>
-                      </a:rPr>
-                      <m:t>.</m:t>
-                    </m:r>
-                    <m:r>
-                      <a:rPr lang="en-US" b="0" i="1" smtClean="0">
-                        <a:latin typeface="Cambria Math" panose="02040503050406030204" pitchFamily="18" charset="0"/>
-                      </a:rPr>
-                      <m:t>𝑝</m:t>
-                    </m:r>
-                    <m:r>
-                      <a:rPr lang="en-US" b="0" i="1" smtClean="0">
-                        <a:latin typeface="Cambria Math" panose="02040503050406030204" pitchFamily="18" charset="0"/>
-                      </a:rPr>
-                      <m:t>−</m:t>
-                    </m:r>
-                    <m:r>
-                      <a:rPr lang="en-US" b="0" i="1" smtClean="0">
-                        <a:latin typeface="Cambria Math" panose="02040503050406030204" pitchFamily="18" charset="0"/>
-                      </a:rPr>
-                      <m:t>𝑐𝑢𝑟𝑣𝑒</m:t>
-                    </m:r>
-                    <m:d>
-                      <m:dPr>
-                        <m:ctrlPr>
-                          <a:rPr lang="en-US" b="0" i="1" smtClean="0">
-                            <a:latin typeface="Cambria Math" panose="02040503050406030204" pitchFamily="18" charset="0"/>
-                          </a:rPr>
-                        </m:ctrlPr>
-                      </m:dPr>
-                      <m:e>
-                        <m:r>
-                          <a:rPr lang="en-US" b="0" i="1" smtClean="0">
-                            <a:latin typeface="Cambria Math" panose="02040503050406030204" pitchFamily="18" charset="0"/>
-                          </a:rPr>
-                          <m:t>𝑠𝑡𝑒𝑝𝑠</m:t>
-                        </m:r>
-                      </m:e>
-                    </m:d>
-                    <m:r>
-                      <a:rPr lang="en-US" b="0" i="1" smtClean="0">
-                        <a:latin typeface="Cambria Math" panose="02040503050406030204" pitchFamily="18" charset="0"/>
-                      </a:rPr>
-                      <m:t>.</m:t>
-                    </m:r>
-                    <m:r>
-                      <a:rPr lang="en-US" b="0" i="1" smtClean="0">
-                        <a:latin typeface="Cambria Math" panose="02040503050406030204" pitchFamily="18" charset="0"/>
-                      </a:rPr>
-                      <m:t>𝑝</m:t>
-                    </m:r>
-                    <m:r>
-                      <a:rPr lang="en-US" b="0" i="1" smtClean="0">
-                        <a:latin typeface="Cambria Math" panose="02040503050406030204" pitchFamily="18" charset="0"/>
-                      </a:rPr>
-                      <m:t>=0</m:t>
-                    </m:r>
-                  </m:oMath>
-                </a14:m>
-                <a:endParaRPr lang="en-US" b="0" dirty="0"/>
-              </a:p>
-              <a:p>
-                <a:pPr lvl="2"/>
-                <a14:m>
-                  <m:oMath xmlns:m="http://schemas.openxmlformats.org/officeDocument/2006/math">
-                    <m:r>
-                      <a:rPr lang="en-US" b="0" i="1" smtClean="0">
-                        <a:latin typeface="Cambria Math" panose="02040503050406030204" pitchFamily="18" charset="0"/>
-                      </a:rPr>
-                      <m:t>𝑑𝑜𝑡</m:t>
-                    </m:r>
-                    <m:r>
-                      <a:rPr lang="en-US" b="0" i="1" smtClean="0">
-                        <a:latin typeface="Cambria Math" panose="02040503050406030204" pitchFamily="18" charset="0"/>
-                      </a:rPr>
-                      <m:t>(</m:t>
-                    </m:r>
-                    <m:r>
-                      <a:rPr lang="en-US" b="0" i="1" smtClean="0">
-                        <a:latin typeface="Cambria Math" panose="02040503050406030204" pitchFamily="18" charset="0"/>
-                      </a:rPr>
-                      <m:t>𝑓𝑤𝑑</m:t>
-                    </m:r>
-                    <m:d>
-                      <m:dPr>
-                        <m:ctrlPr>
-                          <a:rPr lang="en-US" b="0" i="1" smtClean="0">
-                            <a:latin typeface="Cambria Math" panose="02040503050406030204" pitchFamily="18" charset="0"/>
-                          </a:rPr>
-                        </m:ctrlPr>
-                      </m:dPr>
-                      <m:e>
-                        <m:sSub>
-                          <m:sSubPr>
-                            <m:ctrlPr>
-                              <a:rPr lang="en-US" b="0" i="1" smtClean="0">
-                                <a:latin typeface="Cambria Math" panose="02040503050406030204" pitchFamily="18" charset="0"/>
-                              </a:rPr>
-                            </m:ctrlPr>
-                          </m:sSubPr>
-                          <m:e>
-                            <m:r>
-                              <a:rPr lang="en-US" b="0" i="1" smtClean="0">
-                                <a:latin typeface="Cambria Math" panose="02040503050406030204" pitchFamily="18" charset="0"/>
-                              </a:rPr>
-                              <m:t>𝑞</m:t>
-                            </m:r>
-                          </m:e>
-                          <m:sub>
-                            <m:r>
-                              <a:rPr lang="en-US" b="0" i="1" smtClean="0">
-                                <a:latin typeface="Cambria Math" panose="02040503050406030204" pitchFamily="18" charset="0"/>
-                              </a:rPr>
-                              <m:t>1</m:t>
+                              <m:t>_</m:t>
                             </m:r>
                             <m:r>
                               <a:rPr lang="en-US" b="0" i="1" smtClean="0">
                                 <a:latin typeface="Cambria Math" panose="02040503050406030204" pitchFamily="18" charset="0"/>
                               </a:rPr>
-                              <m:t>𝑎𝑙𝑙</m:t>
+                              <m:t>𝑝𝑟𝑒𝑑</m:t>
                             </m:r>
                           </m:sub>
                         </m:sSub>
                       </m:e>
-                    </m:d>
-                    <m:r>
-                      <a:rPr lang="en-US" i="1">
-                        <a:latin typeface="Cambria Math" panose="02040503050406030204" pitchFamily="18" charset="0"/>
-                      </a:rPr>
-                      <m:t>.</m:t>
-                    </m:r>
-                    <m:r>
-                      <a:rPr lang="en-US" i="1">
-                        <a:latin typeface="Cambria Math" panose="02040503050406030204" pitchFamily="18" charset="0"/>
-                      </a:rPr>
-                      <m:t>𝑅</m:t>
-                    </m:r>
-                    <m:r>
-                      <a:rPr lang="en-US" i="1">
-                        <a:latin typeface="Cambria Math" panose="02040503050406030204" pitchFamily="18" charset="0"/>
-                      </a:rPr>
-                      <m:t>,</m:t>
-                    </m:r>
-                    <m:r>
-                      <a:rPr lang="en-US" i="1">
-                        <a:latin typeface="Cambria Math" panose="02040503050406030204" pitchFamily="18" charset="0"/>
-                      </a:rPr>
-                      <m:t>𝐻</m:t>
-                    </m:r>
-                    <m:d>
-                      <m:dPr>
-                        <m:ctrlPr>
-                          <a:rPr lang="en-US" b="0" i="1" smtClean="0">
-                            <a:latin typeface="Cambria Math" panose="02040503050406030204" pitchFamily="18" charset="0"/>
-                          </a:rPr>
-                        </m:ctrlPr>
-                      </m:dPr>
-                      <m:e>
-                        <m:r>
-                          <a:rPr lang="en-US" i="1">
-                            <a:latin typeface="Cambria Math" panose="02040503050406030204" pitchFamily="18" charset="0"/>
-                          </a:rPr>
-                          <m:t>𝑓𝑤𝑑</m:t>
-                        </m:r>
-                        <m:d>
-                          <m:dPr>
-                            <m:ctrlPr>
-                              <a:rPr lang="en-US" i="1">
-                                <a:latin typeface="Cambria Math" panose="02040503050406030204" pitchFamily="18" charset="0"/>
-                              </a:rPr>
-                            </m:ctrlPr>
-                          </m:dPr>
-                          <m:e>
-                            <m:sSub>
-                              <m:sSubPr>
-                                <m:ctrlPr>
-                                  <a:rPr lang="en-US" i="1">
-                                    <a:latin typeface="Cambria Math" panose="02040503050406030204" pitchFamily="18" charset="0"/>
-                                  </a:rPr>
-                                </m:ctrlPr>
-                              </m:sSubPr>
-                              <m:e>
-                                <m:r>
-                                  <a:rPr lang="en-US" i="1">
-                                    <a:latin typeface="Cambria Math" panose="02040503050406030204" pitchFamily="18" charset="0"/>
-                                  </a:rPr>
-                                  <m:t>𝑞</m:t>
-                                </m:r>
-                              </m:e>
-                              <m:sub>
-                                <m:r>
-                                  <a:rPr lang="en-US" b="0" i="1" smtClean="0">
-                                    <a:latin typeface="Cambria Math" panose="02040503050406030204" pitchFamily="18" charset="0"/>
-                                  </a:rPr>
-                                  <m:t>2</m:t>
-                                </m:r>
-                                <m:r>
-                                  <a:rPr lang="en-US" i="1">
-                                    <a:latin typeface="Cambria Math" panose="02040503050406030204" pitchFamily="18" charset="0"/>
-                                  </a:rPr>
-                                  <m:t>𝑎𝑙𝑙</m:t>
-                                </m:r>
-                              </m:sub>
-                            </m:sSub>
-                          </m:e>
-                        </m:d>
-                        <m:r>
-                          <a:rPr lang="en-US" i="1">
-                            <a:latin typeface="Cambria Math" panose="02040503050406030204" pitchFamily="18" charset="0"/>
-                          </a:rPr>
-                          <m:t>.</m:t>
-                        </m:r>
-                        <m:r>
-                          <a:rPr lang="en-US" i="1">
-                            <a:latin typeface="Cambria Math" panose="02040503050406030204" pitchFamily="18" charset="0"/>
-                          </a:rPr>
-                          <m:t>𝑅</m:t>
-                        </m:r>
-                      </m:e>
-                    </m:d>
-                    <m:r>
-                      <a:rPr lang="en-US" b="0" i="1" smtClean="0">
-                        <a:latin typeface="Cambria Math" panose="02040503050406030204" pitchFamily="18" charset="0"/>
-                      </a:rPr>
-                      <m:t>.</m:t>
-                    </m:r>
-                    <m:sSup>
-                      <m:sSupPr>
-                        <m:ctrlPr>
-                          <a:rPr lang="en-US" b="0" i="1" smtClean="0">
-                            <a:latin typeface="Cambria Math" panose="02040503050406030204" pitchFamily="18" charset="0"/>
-                          </a:rPr>
-                        </m:ctrlPr>
-                      </m:sSupPr>
-                      <m:e>
+                      <m:sub>
                         <m:r>
                           <a:rPr lang="en-US" b="0" i="1" smtClean="0">
                             <a:latin typeface="Cambria Math" panose="02040503050406030204" pitchFamily="18" charset="0"/>
                           </a:rPr>
-                          <m:t>𝑅</m:t>
+                          <m:t>𝑎𝑙𝑙</m:t>
                         </m:r>
-                      </m:e>
-                      <m:sup>
-                        <m:r>
-                          <a:rPr lang="en-US" b="0" i="1" smtClean="0">
-                            <a:latin typeface="Cambria Math" panose="02040503050406030204" pitchFamily="18" charset="0"/>
-                          </a:rPr>
-                          <m:t>𝑇</m:t>
-                        </m:r>
-                      </m:sup>
-                    </m:sSup>
-                    <m:r>
-                      <a:rPr lang="en-US" b="0" i="1" smtClean="0">
-                        <a:latin typeface="Cambria Math" panose="02040503050406030204" pitchFamily="18" charset="0"/>
-                      </a:rPr>
-                      <m:t>)</m:t>
-                    </m:r>
-                    <m:d>
-                      <m:dPr>
-                        <m:begChr m:val="["/>
-                        <m:endChr m:val="]"/>
-                        <m:ctrlPr>
-                          <a:rPr lang="en-US" i="1">
-                            <a:latin typeface="Cambria Math" panose="02040503050406030204" pitchFamily="18" charset="0"/>
-                          </a:rPr>
-                        </m:ctrlPr>
-                      </m:dPr>
-                      <m:e>
-                        <m:r>
-                          <a:rPr lang="en-US" i="1">
-                            <a:latin typeface="Cambria Math" panose="02040503050406030204" pitchFamily="18" charset="0"/>
-                          </a:rPr>
-                          <m:t>:,−1</m:t>
-                        </m:r>
-                      </m:e>
-                    </m:d>
-                    <m:r>
-                      <a:rPr lang="en-US" b="0" i="1" smtClean="0">
-                        <a:latin typeface="Cambria Math" panose="02040503050406030204" pitchFamily="18" charset="0"/>
-                      </a:rPr>
-                      <m:t>−</m:t>
-                    </m:r>
-                    <m:r>
-                      <a:rPr lang="en-US" b="0" i="1" smtClean="0">
-                        <a:latin typeface="Cambria Math" panose="02040503050406030204" pitchFamily="18" charset="0"/>
-                      </a:rPr>
-                      <m:t>𝑐𝑢𝑟𝑣𝑒</m:t>
-                    </m:r>
-                    <m:d>
-                      <m:dPr>
-                        <m:ctrlPr>
-                          <a:rPr lang="en-US" b="0" i="1" smtClean="0">
-                            <a:latin typeface="Cambria Math" panose="02040503050406030204" pitchFamily="18" charset="0"/>
-                          </a:rPr>
-                        </m:ctrlPr>
-                      </m:dPr>
-                      <m:e>
-                        <m:r>
-                          <a:rPr lang="en-US" b="0" i="1" smtClean="0">
-                            <a:latin typeface="Cambria Math" panose="02040503050406030204" pitchFamily="18" charset="0"/>
-                          </a:rPr>
-                          <m:t>𝑠𝑡𝑒𝑝𝑠</m:t>
-                        </m:r>
-                      </m:e>
-                    </m:d>
-                    <m:r>
-                      <a:rPr lang="en-US" b="0" i="1" smtClean="0">
-                        <a:latin typeface="Cambria Math" panose="02040503050406030204" pitchFamily="18" charset="0"/>
-                      </a:rPr>
-                      <m:t>.</m:t>
-                    </m:r>
-                    <m:r>
-                      <a:rPr lang="en-US" b="0" i="1" smtClean="0">
-                        <a:latin typeface="Cambria Math" panose="02040503050406030204" pitchFamily="18" charset="0"/>
-                      </a:rPr>
-                      <m:t>𝑛𝑜𝑟𝑚𝑎𝑙</m:t>
-                    </m:r>
-                    <m:r>
-                      <a:rPr lang="en-US" b="0" i="1" smtClean="0">
-                        <a:latin typeface="Cambria Math" panose="02040503050406030204" pitchFamily="18" charset="0"/>
-                      </a:rPr>
-                      <m:t>=0</m:t>
-                    </m:r>
+                      </m:sub>
+                    </m:sSub>
                   </m:oMath>
                 </a14:m>
                 <a:endParaRPr lang="en-US" dirty="0"/>
@@ -6380,10 +8257,10 @@
         <mc:Fallback>
           <p:sp>
             <p:nvSpPr>
-              <p:cNvPr id="3" name="文字版面配置區 2">
+              <p:cNvPr id="3" name="Text Placeholder 2">
                 <a:extLst>
                   <a:ext uri="{FF2B5EF4-FFF2-40B4-BE49-F238E27FC236}">
-                    <a16:creationId xmlns:a16="http://schemas.microsoft.com/office/drawing/2014/main" id="{1B2A16A2-4348-470E-BA21-70562639C31D}"/>
+                    <a16:creationId xmlns:a16="http://schemas.microsoft.com/office/drawing/2014/main" id="{6851D6D1-33E0-45CE-B73B-3C11390A35A1}"/>
                   </a:ext>
                 </a:extLst>
               </p:cNvPr>
@@ -6396,13 +8273,13 @@
             </p:nvSpPr>
             <p:spPr>
               <a:xfrm>
-                <a:off x="299221" y="795863"/>
-                <a:ext cx="11769513" cy="5386275"/>
+                <a:off x="-51299" y="1032881"/>
+                <a:ext cx="12578579" cy="4792237"/>
               </a:xfrm>
               <a:blipFill>
-                <a:blip r:embed="rId3"/>
+                <a:blip r:embed="rId2"/>
                 <a:stretch>
-                  <a:fillRect l="-932"/>
+                  <a:fillRect l="-873"/>
                 </a:stretch>
               </a:blipFill>
             </p:spPr>
@@ -6424,7 +8301,7 @@
     </p:spTree>
     <p:extLst>
       <p:ext uri="{BB962C8B-B14F-4D97-AF65-F5344CB8AC3E}">
-        <p14:creationId xmlns:p14="http://schemas.microsoft.com/office/powerpoint/2010/main" val="3140766226"/>
+        <p14:creationId xmlns:p14="http://schemas.microsoft.com/office/powerpoint/2010/main" val="541395569"/>
       </p:ext>
     </p:extLst>
   </p:cSld>
